--- a/slides/Numpy.pptx
+++ b/slides/Numpy.pptx
@@ -136,6 +136,11 @@
       </a:defRPr>
     </a:lvl9pPr>
   </p:defaultTextStyle>
+  <p:extLst>
+    <p:ext uri="{EFAFB233-063F-42B5-8137-9DF3F51BA10A}">
+      <p15:sldGuideLst xmlns:p15="http://schemas.microsoft.com/office/powerpoint/2012/main"/>
+    </p:ext>
+  </p:extLst>
 </p:presentation>
 </file>
 
@@ -286,7 +291,7 @@
           <a:p>
             <a:fld id="{EEA2918E-40FC-40A7-9F01-C5EA31D4DB75}" type="datetimeFigureOut">
               <a:rPr lang="en-US" smtClean="0"/>
-              <a:t>2022-11-20</a:t>
+              <a:t>11/27/2022</a:t>
             </a:fld>
             <a:endParaRPr lang="en-US"/>
           </a:p>
@@ -484,7 +489,7 @@
           <a:p>
             <a:fld id="{EEA2918E-40FC-40A7-9F01-C5EA31D4DB75}" type="datetimeFigureOut">
               <a:rPr lang="en-US" smtClean="0"/>
-              <a:t>2022-11-20</a:t>
+              <a:t>11/27/2022</a:t>
             </a:fld>
             <a:endParaRPr lang="en-US"/>
           </a:p>
@@ -692,7 +697,7 @@
           <a:p>
             <a:fld id="{EEA2918E-40FC-40A7-9F01-C5EA31D4DB75}" type="datetimeFigureOut">
               <a:rPr lang="en-US" smtClean="0"/>
-              <a:t>2022-11-20</a:t>
+              <a:t>11/27/2022</a:t>
             </a:fld>
             <a:endParaRPr lang="en-US"/>
           </a:p>
@@ -890,7 +895,7 @@
           <a:p>
             <a:fld id="{EEA2918E-40FC-40A7-9F01-C5EA31D4DB75}" type="datetimeFigureOut">
               <a:rPr lang="en-US" smtClean="0"/>
-              <a:t>2022-11-20</a:t>
+              <a:t>11/27/2022</a:t>
             </a:fld>
             <a:endParaRPr lang="en-US"/>
           </a:p>
@@ -1165,7 +1170,7 @@
           <a:p>
             <a:fld id="{EEA2918E-40FC-40A7-9F01-C5EA31D4DB75}" type="datetimeFigureOut">
               <a:rPr lang="en-US" smtClean="0"/>
-              <a:t>2022-11-20</a:t>
+              <a:t>11/27/2022</a:t>
             </a:fld>
             <a:endParaRPr lang="en-US"/>
           </a:p>
@@ -1430,7 +1435,7 @@
           <a:p>
             <a:fld id="{EEA2918E-40FC-40A7-9F01-C5EA31D4DB75}" type="datetimeFigureOut">
               <a:rPr lang="en-US" smtClean="0"/>
-              <a:t>2022-11-20</a:t>
+              <a:t>11/27/2022</a:t>
             </a:fld>
             <a:endParaRPr lang="en-US"/>
           </a:p>
@@ -1842,7 +1847,7 @@
           <a:p>
             <a:fld id="{EEA2918E-40FC-40A7-9F01-C5EA31D4DB75}" type="datetimeFigureOut">
               <a:rPr lang="en-US" smtClean="0"/>
-              <a:t>2022-11-20</a:t>
+              <a:t>11/27/2022</a:t>
             </a:fld>
             <a:endParaRPr lang="en-US"/>
           </a:p>
@@ -1983,7 +1988,7 @@
           <a:p>
             <a:fld id="{EEA2918E-40FC-40A7-9F01-C5EA31D4DB75}" type="datetimeFigureOut">
               <a:rPr lang="en-US" smtClean="0"/>
-              <a:t>2022-11-20</a:t>
+              <a:t>11/27/2022</a:t>
             </a:fld>
             <a:endParaRPr lang="en-US"/>
           </a:p>
@@ -2096,7 +2101,7 @@
           <a:p>
             <a:fld id="{EEA2918E-40FC-40A7-9F01-C5EA31D4DB75}" type="datetimeFigureOut">
               <a:rPr lang="en-US" smtClean="0"/>
-              <a:t>2022-11-20</a:t>
+              <a:t>11/27/2022</a:t>
             </a:fld>
             <a:endParaRPr lang="en-US"/>
           </a:p>
@@ -2407,7 +2412,7 @@
           <a:p>
             <a:fld id="{EEA2918E-40FC-40A7-9F01-C5EA31D4DB75}" type="datetimeFigureOut">
               <a:rPr lang="en-US" smtClean="0"/>
-              <a:t>2022-11-20</a:t>
+              <a:t>11/27/2022</a:t>
             </a:fld>
             <a:endParaRPr lang="en-US"/>
           </a:p>
@@ -2695,7 +2700,7 @@
           <a:p>
             <a:fld id="{EEA2918E-40FC-40A7-9F01-C5EA31D4DB75}" type="datetimeFigureOut">
               <a:rPr lang="en-US" smtClean="0"/>
-              <a:t>2022-11-20</a:t>
+              <a:t>11/27/2022</a:t>
             </a:fld>
             <a:endParaRPr lang="en-US"/>
           </a:p>
@@ -2936,7 +2941,7 @@
           <a:p>
             <a:fld id="{EEA2918E-40FC-40A7-9F01-C5EA31D4DB75}" type="datetimeFigureOut">
               <a:rPr lang="en-US" smtClean="0"/>
-              <a:t>2022-11-20</a:t>
+              <a:t>11/27/2022</a:t>
             </a:fld>
             <a:endParaRPr lang="en-US"/>
           </a:p>
@@ -3493,8 +3498,8 @@
         </p:blipFill>
         <p:spPr>
           <a:xfrm>
-            <a:off x="3454401" y="685863"/>
-            <a:ext cx="5328207" cy="6172137"/>
+            <a:off x="2894203" y="36935"/>
+            <a:ext cx="5888406" cy="6821065"/>
           </a:xfrm>
           <a:prstGeom prst="rect">
             <a:avLst/>
@@ -3583,8 +3588,8 @@
         </p:blipFill>
         <p:spPr>
           <a:xfrm>
-            <a:off x="3309870" y="753979"/>
-            <a:ext cx="5572260" cy="6104021"/>
+            <a:off x="2642532" y="22957"/>
+            <a:ext cx="6239598" cy="6835043"/>
           </a:xfrm>
           <a:prstGeom prst="rect">
             <a:avLst/>
@@ -3673,8 +3678,8 @@
         </p:blipFill>
         <p:spPr>
           <a:xfrm>
-            <a:off x="2959053" y="846598"/>
-            <a:ext cx="6273894" cy="5874878"/>
+            <a:off x="2054955" y="0"/>
+            <a:ext cx="7177992" cy="6721476"/>
           </a:xfrm>
           <a:prstGeom prst="rect">
             <a:avLst/>
@@ -4426,7 +4431,9 @@
         </p:nvSpPr>
         <p:spPr/>
         <p:txBody>
-          <a:bodyPr/>
+          <a:bodyPr>
+            <a:normAutofit fontScale="92500" lnSpcReduction="20000"/>
+          </a:bodyPr>
           <a:lstStyle/>
           <a:p>
             <a:pPr>
@@ -4449,6 +4456,41 @@
               <a:rPr lang="en-US" dirty="0"/>
               <a:t>NumPy contains a broad array of functionality for fast numerical &amp; mathematical operations in Python</a:t>
             </a:r>
+          </a:p>
+          <a:p>
+            <a:pPr>
+              <a:lnSpc>
+                <a:spcPct val="150000"/>
+              </a:lnSpc>
+            </a:pPr>
+            <a:r>
+              <a:rPr lang="en-US" dirty="0"/>
+              <a:t>X = 10 </a:t>
+            </a:r>
+            <a:r>
+              <a:rPr lang="en-US" dirty="0">
+                <a:sym typeface="Wingdings" panose="05000000000000000000" pitchFamily="2" charset="2"/>
+              </a:rPr>
+              <a:t> variable </a:t>
+            </a:r>
+          </a:p>
+          <a:p>
+            <a:pPr>
+              <a:lnSpc>
+                <a:spcPct val="150000"/>
+              </a:lnSpc>
+            </a:pPr>
+            <a:r>
+              <a:rPr lang="en-US" dirty="0"/>
+              <a:t>X = [10, 13] </a:t>
+            </a:r>
+            <a:r>
+              <a:rPr lang="en-US" dirty="0">
+                <a:sym typeface="Wingdings" panose="05000000000000000000" pitchFamily="2" charset="2"/>
+              </a:rPr>
+              <a:t> list (array) </a:t>
+            </a:r>
+            <a:endParaRPr lang="en-US" dirty="0"/>
           </a:p>
           <a:p>
             <a:pPr>
@@ -9609,8 +9651,8 @@
         </p:blipFill>
         <p:spPr>
           <a:xfrm>
-            <a:off x="2375483" y="2850566"/>
-            <a:ext cx="6362117" cy="3505785"/>
+            <a:off x="1712875" y="2850566"/>
+            <a:ext cx="7024725" cy="3870909"/>
           </a:xfrm>
           <a:prstGeom prst="rect">
             <a:avLst/>
@@ -11355,8 +11397,8 @@
         </p:blipFill>
         <p:spPr>
           <a:xfrm>
-            <a:off x="2930462" y="593558"/>
-            <a:ext cx="6331075" cy="6264442"/>
+            <a:off x="2930462" y="0"/>
+            <a:ext cx="6930946" cy="6858000"/>
           </a:xfrm>
           <a:prstGeom prst="rect">
             <a:avLst/>
@@ -11445,8 +11487,8 @@
         </p:blipFill>
         <p:spPr>
           <a:xfrm>
-            <a:off x="609600" y="571836"/>
-            <a:ext cx="5334456" cy="6149640"/>
+            <a:off x="67112" y="0"/>
+            <a:ext cx="5851777" cy="6746015"/>
           </a:xfrm>
           <a:prstGeom prst="rect">
             <a:avLst/>
@@ -11475,8 +11517,8 @@
         </p:blipFill>
         <p:spPr>
           <a:xfrm>
-            <a:off x="6096000" y="1938197"/>
-            <a:ext cx="5727032" cy="3469116"/>
+            <a:off x="6096000" y="1579397"/>
+            <a:ext cx="6106877" cy="3699205"/>
           </a:xfrm>
           <a:prstGeom prst="rect">
             <a:avLst/>
@@ -11565,8 +11607,8 @@
         </p:blipFill>
         <p:spPr>
           <a:xfrm>
-            <a:off x="3308088" y="681623"/>
-            <a:ext cx="5575824" cy="6039853"/>
+            <a:off x="2678833" y="1"/>
+            <a:ext cx="6205079" cy="6721476"/>
           </a:xfrm>
           <a:prstGeom prst="rect">
             <a:avLst/>
@@ -11655,8 +11697,8 @@
         </p:blipFill>
         <p:spPr>
           <a:xfrm>
-            <a:off x="3314791" y="705853"/>
-            <a:ext cx="5320776" cy="6152147"/>
+            <a:off x="2701255" y="-3547"/>
+            <a:ext cx="5934312" cy="6861548"/>
           </a:xfrm>
           <a:prstGeom prst="rect">
             <a:avLst/>
@@ -11745,8 +11787,8 @@
         </p:blipFill>
         <p:spPr>
           <a:xfrm>
-            <a:off x="3454401" y="590307"/>
-            <a:ext cx="5751361" cy="6131169"/>
+            <a:off x="2852258" y="0"/>
+            <a:ext cx="6311560" cy="6728362"/>
           </a:xfrm>
           <a:prstGeom prst="rect">
             <a:avLst/>

--- a/slides/Numpy.pptx
+++ b/slides/Numpy.pptx
@@ -144,6 +144,87 @@
 </p:presentation>
 </file>
 
+<file path=ppt/ink/ink1.xml><?xml version="1.0" encoding="utf-8"?>
+<inkml:ink xmlns:inkml="http://www.w3.org/2003/InkML">
+  <inkml:definitions>
+    <inkml:context xml:id="ctx0">
+      <inkml:inkSource xml:id="inkSrc0">
+        <inkml:traceFormat>
+          <inkml:channel name="X" type="integer" min="-2.14748E9" max="2.14748E9" units="cm"/>
+          <inkml:channel name="Y" type="integer" min="-2.14748E9" max="2.14748E9" units="cm"/>
+          <inkml:channel name="F" type="integer" max="32767" units="dev"/>
+        </inkml:traceFormat>
+        <inkml:channelProperties>
+          <inkml:channelProperty channel="X" name="resolution" value="1000" units="1/cm"/>
+          <inkml:channelProperty channel="Y" name="resolution" value="1000" units="1/cm"/>
+          <inkml:channelProperty channel="F" name="resolution" value="0" units="1/dev"/>
+        </inkml:channelProperties>
+      </inkml:inkSource>
+      <inkml:timestamp xml:id="ts0" timeString="2022-12-04T13:50:15.597"/>
+    </inkml:context>
+    <inkml:brush xml:id="br0">
+      <inkml:brushProperty name="width" value="0.05" units="cm"/>
+      <inkml:brushProperty name="height" value="0.05" units="cm"/>
+    </inkml:brush>
+  </inkml:definitions>
+  <inkml:trace contextRef="#ctx0" brushRef="#br0">0 0 24575,'1099'0'0,"-951"12"0,-16 0 0,-117-11-341,-1 1 0,1 1-1,18 5 1,-17-4-6485</inkml:trace>
+</inkml:ink>
+</file>
+
+<file path=ppt/ink/ink2.xml><?xml version="1.0" encoding="utf-8"?>
+<inkml:ink xmlns:inkml="http://www.w3.org/2003/InkML">
+  <inkml:definitions>
+    <inkml:context xml:id="ctx0">
+      <inkml:inkSource xml:id="inkSrc0">
+        <inkml:traceFormat>
+          <inkml:channel name="X" type="integer" min="-2.14748E9" max="2.14748E9" units="cm"/>
+          <inkml:channel name="Y" type="integer" min="-2.14748E9" max="2.14748E9" units="cm"/>
+          <inkml:channel name="F" type="integer" max="32767" units="dev"/>
+        </inkml:traceFormat>
+        <inkml:channelProperties>
+          <inkml:channelProperty channel="X" name="resolution" value="1000" units="1/cm"/>
+          <inkml:channelProperty channel="Y" name="resolution" value="1000" units="1/cm"/>
+          <inkml:channelProperty channel="F" name="resolution" value="0" units="1/dev"/>
+        </inkml:channelProperties>
+      </inkml:inkSource>
+      <inkml:timestamp xml:id="ts0" timeString="2022-12-04T13:50:18.617"/>
+    </inkml:context>
+    <inkml:brush xml:id="br0">
+      <inkml:brushProperty name="width" value="0.05" units="cm"/>
+      <inkml:brushProperty name="height" value="0.05" units="cm"/>
+    </inkml:brush>
+  </inkml:definitions>
+  <inkml:trace contextRef="#ctx0" brushRef="#br0">914 96 24575,'74'0'0,"3"-1"0,149 16 0,-159-7 0,0-4 0,89-5 0,-50-1 0,-90 1 0,0 0 0,0-2 0,-1 0 0,1-1 0,-1 0 0,1-1 0,17-9 0,-24 7 0,-18 3 0,-29 1 0,30 3 0,-769-56 0,685 49 0,-344 1 0,249 8 0,-105-2 0,469 9 0,-30 0 0,618-3-456,-639-6-453,-5 0-5917</inkml:trace>
+</inkml:ink>
+</file>
+
+<file path=ppt/ink/ink3.xml><?xml version="1.0" encoding="utf-8"?>
+<inkml:ink xmlns:inkml="http://www.w3.org/2003/InkML">
+  <inkml:definitions>
+    <inkml:context xml:id="ctx0">
+      <inkml:inkSource xml:id="inkSrc0">
+        <inkml:traceFormat>
+          <inkml:channel name="X" type="integer" min="-2.14748E9" max="2.14748E9" units="cm"/>
+          <inkml:channel name="Y" type="integer" min="-2.14748E9" max="2.14748E9" units="cm"/>
+          <inkml:channel name="F" type="integer" max="32767" units="dev"/>
+        </inkml:traceFormat>
+        <inkml:channelProperties>
+          <inkml:channelProperty channel="X" name="resolution" value="1000" units="1/cm"/>
+          <inkml:channelProperty channel="Y" name="resolution" value="1000" units="1/cm"/>
+          <inkml:channelProperty channel="F" name="resolution" value="0" units="1/dev"/>
+        </inkml:channelProperties>
+      </inkml:inkSource>
+      <inkml:timestamp xml:id="ts0" timeString="2022-12-04T13:50:25.405"/>
+    </inkml:context>
+    <inkml:brush xml:id="br0">
+      <inkml:brushProperty name="width" value="0.05" units="cm"/>
+      <inkml:brushProperty name="height" value="0.05" units="cm"/>
+    </inkml:brush>
+  </inkml:definitions>
+  <inkml:trace contextRef="#ctx0" brushRef="#br0">0 1 24575,'911'0'0,"-881"2"0,0 1 0,1 1 0,33 11 0,-27-7 0,48 6 0,96-12 27,-104-3-1419,-57 1-5434</inkml:trace>
+</inkml:ink>
+</file>
+
 <file path=ppt/slideLayouts/slideLayout1.xml><?xml version="1.0" encoding="utf-8"?>
 <p:sldLayout xmlns:a="http://schemas.openxmlformats.org/drawingml/2006/main" xmlns:r="http://schemas.openxmlformats.org/officeDocument/2006/relationships" xmlns:p="http://schemas.openxmlformats.org/presentationml/2006/main" type="title" preserve="1">
   <p:cSld name="Title Slide">
@@ -291,7 +372,7 @@
           <a:p>
             <a:fld id="{EEA2918E-40FC-40A7-9F01-C5EA31D4DB75}" type="datetimeFigureOut">
               <a:rPr lang="en-US" smtClean="0"/>
-              <a:t>11/27/2022</a:t>
+              <a:t>12/4/2022</a:t>
             </a:fld>
             <a:endParaRPr lang="en-US"/>
           </a:p>
@@ -489,7 +570,7 @@
           <a:p>
             <a:fld id="{EEA2918E-40FC-40A7-9F01-C5EA31D4DB75}" type="datetimeFigureOut">
               <a:rPr lang="en-US" smtClean="0"/>
-              <a:t>11/27/2022</a:t>
+              <a:t>12/4/2022</a:t>
             </a:fld>
             <a:endParaRPr lang="en-US"/>
           </a:p>
@@ -697,7 +778,7 @@
           <a:p>
             <a:fld id="{EEA2918E-40FC-40A7-9F01-C5EA31D4DB75}" type="datetimeFigureOut">
               <a:rPr lang="en-US" smtClean="0"/>
-              <a:t>11/27/2022</a:t>
+              <a:t>12/4/2022</a:t>
             </a:fld>
             <a:endParaRPr lang="en-US"/>
           </a:p>
@@ -895,7 +976,7 @@
           <a:p>
             <a:fld id="{EEA2918E-40FC-40A7-9F01-C5EA31D4DB75}" type="datetimeFigureOut">
               <a:rPr lang="en-US" smtClean="0"/>
-              <a:t>11/27/2022</a:t>
+              <a:t>12/4/2022</a:t>
             </a:fld>
             <a:endParaRPr lang="en-US"/>
           </a:p>
@@ -1170,7 +1251,7 @@
           <a:p>
             <a:fld id="{EEA2918E-40FC-40A7-9F01-C5EA31D4DB75}" type="datetimeFigureOut">
               <a:rPr lang="en-US" smtClean="0"/>
-              <a:t>11/27/2022</a:t>
+              <a:t>12/4/2022</a:t>
             </a:fld>
             <a:endParaRPr lang="en-US"/>
           </a:p>
@@ -1435,7 +1516,7 @@
           <a:p>
             <a:fld id="{EEA2918E-40FC-40A7-9F01-C5EA31D4DB75}" type="datetimeFigureOut">
               <a:rPr lang="en-US" smtClean="0"/>
-              <a:t>11/27/2022</a:t>
+              <a:t>12/4/2022</a:t>
             </a:fld>
             <a:endParaRPr lang="en-US"/>
           </a:p>
@@ -1847,7 +1928,7 @@
           <a:p>
             <a:fld id="{EEA2918E-40FC-40A7-9F01-C5EA31D4DB75}" type="datetimeFigureOut">
               <a:rPr lang="en-US" smtClean="0"/>
-              <a:t>11/27/2022</a:t>
+              <a:t>12/4/2022</a:t>
             </a:fld>
             <a:endParaRPr lang="en-US"/>
           </a:p>
@@ -1988,7 +2069,7 @@
           <a:p>
             <a:fld id="{EEA2918E-40FC-40A7-9F01-C5EA31D4DB75}" type="datetimeFigureOut">
               <a:rPr lang="en-US" smtClean="0"/>
-              <a:t>11/27/2022</a:t>
+              <a:t>12/4/2022</a:t>
             </a:fld>
             <a:endParaRPr lang="en-US"/>
           </a:p>
@@ -2101,7 +2182,7 @@
           <a:p>
             <a:fld id="{EEA2918E-40FC-40A7-9F01-C5EA31D4DB75}" type="datetimeFigureOut">
               <a:rPr lang="en-US" smtClean="0"/>
-              <a:t>11/27/2022</a:t>
+              <a:t>12/4/2022</a:t>
             </a:fld>
             <a:endParaRPr lang="en-US"/>
           </a:p>
@@ -2412,7 +2493,7 @@
           <a:p>
             <a:fld id="{EEA2918E-40FC-40A7-9F01-C5EA31D4DB75}" type="datetimeFigureOut">
               <a:rPr lang="en-US" smtClean="0"/>
-              <a:t>11/27/2022</a:t>
+              <a:t>12/4/2022</a:t>
             </a:fld>
             <a:endParaRPr lang="en-US"/>
           </a:p>
@@ -2700,7 +2781,7 @@
           <a:p>
             <a:fld id="{EEA2918E-40FC-40A7-9F01-C5EA31D4DB75}" type="datetimeFigureOut">
               <a:rPr lang="en-US" smtClean="0"/>
-              <a:t>11/27/2022</a:t>
+              <a:t>12/4/2022</a:t>
             </a:fld>
             <a:endParaRPr lang="en-US"/>
           </a:p>
@@ -2941,7 +3022,7 @@
           <a:p>
             <a:fld id="{EEA2918E-40FC-40A7-9F01-C5EA31D4DB75}" type="datetimeFigureOut">
               <a:rPr lang="en-US" smtClean="0"/>
-              <a:t>11/27/2022</a:t>
+              <a:t>12/4/2022</a:t>
             </a:fld>
             <a:endParaRPr lang="en-US"/>
           </a:p>
@@ -3768,8 +3849,8 @@
         </p:blipFill>
         <p:spPr>
           <a:xfrm>
-            <a:off x="3298844" y="729198"/>
-            <a:ext cx="5261858" cy="5992278"/>
+            <a:off x="2667699" y="10441"/>
+            <a:ext cx="5893003" cy="6711035"/>
           </a:xfrm>
           <a:prstGeom prst="rect">
             <a:avLst/>
@@ -3948,14 +4029,167 @@
         </p:blipFill>
         <p:spPr>
           <a:xfrm>
-            <a:off x="3120048" y="669235"/>
-            <a:ext cx="5951904" cy="6165319"/>
+            <a:off x="2491530" y="18181"/>
+            <a:ext cx="6580422" cy="6816374"/>
           </a:xfrm>
           <a:prstGeom prst="rect">
             <a:avLst/>
           </a:prstGeom>
         </p:spPr>
       </p:pic>
+      <mc:AlternateContent xmlns:mc="http://schemas.openxmlformats.org/markup-compatibility/2006">
+        <mc:Choice xmlns:p14="http://schemas.microsoft.com/office/powerpoint/2010/main" Requires="p14">
+          <p:contentPart p14:bwMode="auto" r:id="rId3">
+            <p14:nvContentPartPr>
+              <p14:cNvPr id="2" name="Ink 1">
+                <a:extLst>
+                  <a:ext uri="{FF2B5EF4-FFF2-40B4-BE49-F238E27FC236}">
+                    <a16:creationId xmlns:a16="http://schemas.microsoft.com/office/drawing/2014/main" id="{22DE0F65-BE27-102E-1AC6-7CBF5414E428}"/>
+                  </a:ext>
+                </a:extLst>
+              </p14:cNvPr>
+              <p14:cNvContentPartPr/>
+              <p14:nvPr/>
+            </p14:nvContentPartPr>
+            <p14:xfrm>
+              <a:off x="4639142" y="1736412"/>
+              <a:ext cx="529920" cy="15480"/>
+            </p14:xfrm>
+          </p:contentPart>
+        </mc:Choice>
+        <mc:Fallback>
+          <p:pic>
+            <p:nvPicPr>
+              <p:cNvPr id="2" name="Ink 1">
+                <a:extLst>
+                  <a:ext uri="{FF2B5EF4-FFF2-40B4-BE49-F238E27FC236}">
+                    <a16:creationId xmlns:a16="http://schemas.microsoft.com/office/drawing/2014/main" id="{22DE0F65-BE27-102E-1AC6-7CBF5414E428}"/>
+                  </a:ext>
+                </a:extLst>
+              </p:cNvPr>
+              <p:cNvPicPr/>
+              <p:nvPr/>
+            </p:nvPicPr>
+            <p:blipFill>
+              <a:blip r:embed="rId4"/>
+              <a:stretch>
+                <a:fillRect/>
+              </a:stretch>
+            </p:blipFill>
+            <p:spPr>
+              <a:xfrm>
+                <a:off x="4630142" y="1727412"/>
+                <a:ext cx="547560" cy="33120"/>
+              </a:xfrm>
+              <a:prstGeom prst="rect">
+                <a:avLst/>
+              </a:prstGeom>
+            </p:spPr>
+          </p:pic>
+        </mc:Fallback>
+      </mc:AlternateContent>
+      <mc:AlternateContent xmlns:mc="http://schemas.openxmlformats.org/markup-compatibility/2006">
+        <mc:Choice xmlns:p14="http://schemas.microsoft.com/office/powerpoint/2010/main" Requires="p14">
+          <p:contentPart p14:bwMode="auto" r:id="rId5">
+            <p14:nvContentPartPr>
+              <p14:cNvPr id="5" name="Ink 4">
+                <a:extLst>
+                  <a:ext uri="{FF2B5EF4-FFF2-40B4-BE49-F238E27FC236}">
+                    <a16:creationId xmlns:a16="http://schemas.microsoft.com/office/drawing/2014/main" id="{EA80F1E5-B322-A7A0-C562-25F2EE329B5D}"/>
+                  </a:ext>
+                </a:extLst>
+              </p14:cNvPr>
+              <p14:cNvContentPartPr/>
+              <p14:nvPr/>
+            </p14:nvContentPartPr>
+            <p14:xfrm>
+              <a:off x="3949382" y="6315972"/>
+              <a:ext cx="662040" cy="44280"/>
+            </p14:xfrm>
+          </p:contentPart>
+        </mc:Choice>
+        <mc:Fallback>
+          <p:pic>
+            <p:nvPicPr>
+              <p:cNvPr id="5" name="Ink 4">
+                <a:extLst>
+                  <a:ext uri="{FF2B5EF4-FFF2-40B4-BE49-F238E27FC236}">
+                    <a16:creationId xmlns:a16="http://schemas.microsoft.com/office/drawing/2014/main" id="{EA80F1E5-B322-A7A0-C562-25F2EE329B5D}"/>
+                  </a:ext>
+                </a:extLst>
+              </p:cNvPr>
+              <p:cNvPicPr/>
+              <p:nvPr/>
+            </p:nvPicPr>
+            <p:blipFill>
+              <a:blip r:embed="rId6"/>
+              <a:stretch>
+                <a:fillRect/>
+              </a:stretch>
+            </p:blipFill>
+            <p:spPr>
+              <a:xfrm>
+                <a:off x="3940382" y="6307332"/>
+                <a:ext cx="679680" cy="61920"/>
+              </a:xfrm>
+              <a:prstGeom prst="rect">
+                <a:avLst/>
+              </a:prstGeom>
+            </p:spPr>
+          </p:pic>
+        </mc:Fallback>
+      </mc:AlternateContent>
+      <mc:AlternateContent xmlns:mc="http://schemas.openxmlformats.org/markup-compatibility/2006">
+        <mc:Choice xmlns:p14="http://schemas.microsoft.com/office/powerpoint/2010/main" Requires="p14">
+          <p:contentPart p14:bwMode="auto" r:id="rId7">
+            <p14:nvContentPartPr>
+              <p14:cNvPr id="6" name="Ink 5">
+                <a:extLst>
+                  <a:ext uri="{FF2B5EF4-FFF2-40B4-BE49-F238E27FC236}">
+                    <a16:creationId xmlns:a16="http://schemas.microsoft.com/office/drawing/2014/main" id="{44B07A96-4C6A-6715-10D4-88A1AD977834}"/>
+                  </a:ext>
+                </a:extLst>
+              </p14:cNvPr>
+              <p14:cNvContentPartPr/>
+              <p14:nvPr/>
+            </p14:nvContentPartPr>
+            <p14:xfrm>
+              <a:off x="5402342" y="1761252"/>
+              <a:ext cx="528120" cy="17640"/>
+            </p14:xfrm>
+          </p:contentPart>
+        </mc:Choice>
+        <mc:Fallback>
+          <p:pic>
+            <p:nvPicPr>
+              <p:cNvPr id="6" name="Ink 5">
+                <a:extLst>
+                  <a:ext uri="{FF2B5EF4-FFF2-40B4-BE49-F238E27FC236}">
+                    <a16:creationId xmlns:a16="http://schemas.microsoft.com/office/drawing/2014/main" id="{44B07A96-4C6A-6715-10D4-88A1AD977834}"/>
+                  </a:ext>
+                </a:extLst>
+              </p:cNvPr>
+              <p:cNvPicPr/>
+              <p:nvPr/>
+            </p:nvPicPr>
+            <p:blipFill>
+              <a:blip r:embed="rId8"/>
+              <a:stretch>
+                <a:fillRect/>
+              </a:stretch>
+            </p:blipFill>
+            <p:spPr>
+              <a:xfrm>
+                <a:off x="5393342" y="1752612"/>
+                <a:ext cx="545760" cy="35280"/>
+              </a:xfrm>
+              <a:prstGeom prst="rect">
+                <a:avLst/>
+              </a:prstGeom>
+            </p:spPr>
+          </p:pic>
+        </mc:Fallback>
+      </mc:AlternateContent>
     </p:spTree>
     <p:extLst>
       <p:ext uri="{BB962C8B-B14F-4D97-AF65-F5344CB8AC3E}">
@@ -4038,8 +4272,8 @@
         </p:blipFill>
         <p:spPr>
           <a:xfrm>
-            <a:off x="3236619" y="656492"/>
-            <a:ext cx="5500981" cy="6201508"/>
+            <a:off x="2659311" y="5665"/>
+            <a:ext cx="6078290" cy="6852335"/>
           </a:xfrm>
           <a:prstGeom prst="rect">
             <a:avLst/>
@@ -4128,8 +4362,8 @@
         </p:blipFill>
         <p:spPr>
           <a:xfrm>
-            <a:off x="3454401" y="778227"/>
-            <a:ext cx="5216249" cy="6079773"/>
+            <a:off x="2785145" y="-1821"/>
+            <a:ext cx="5885505" cy="6859821"/>
           </a:xfrm>
           <a:prstGeom prst="rect">
             <a:avLst/>
@@ -4218,8 +4452,8 @@
         </p:blipFill>
         <p:spPr>
           <a:xfrm>
-            <a:off x="245298" y="726831"/>
-            <a:ext cx="5460347" cy="6131169"/>
+            <a:off x="245298" y="285227"/>
+            <a:ext cx="5853635" cy="6572774"/>
           </a:xfrm>
           <a:prstGeom prst="rect">
             <a:avLst/>

--- a/slides/Numpy.pptx
+++ b/slides/Numpy.pptx
@@ -25,19 +25,15 @@
     <p:sldId id="456" r:id="rId19"/>
     <p:sldId id="457" r:id="rId20"/>
     <p:sldId id="531" r:id="rId21"/>
-    <p:sldId id="528" r:id="rId22"/>
-    <p:sldId id="530" r:id="rId23"/>
-    <p:sldId id="518" r:id="rId24"/>
-    <p:sldId id="519" r:id="rId25"/>
-    <p:sldId id="520" r:id="rId26"/>
-    <p:sldId id="521" r:id="rId27"/>
-    <p:sldId id="522" r:id="rId28"/>
-    <p:sldId id="523" r:id="rId29"/>
-    <p:sldId id="524" r:id="rId30"/>
-    <p:sldId id="525" r:id="rId31"/>
-    <p:sldId id="526" r:id="rId32"/>
-    <p:sldId id="527" r:id="rId33"/>
-    <p:sldId id="439" r:id="rId34"/>
+    <p:sldId id="520" r:id="rId22"/>
+    <p:sldId id="521" r:id="rId23"/>
+    <p:sldId id="522" r:id="rId24"/>
+    <p:sldId id="523" r:id="rId25"/>
+    <p:sldId id="524" r:id="rId26"/>
+    <p:sldId id="525" r:id="rId27"/>
+    <p:sldId id="526" r:id="rId28"/>
+    <p:sldId id="527" r:id="rId29"/>
+    <p:sldId id="439" r:id="rId30"/>
   </p:sldIdLst>
   <p:sldSz cx="12192000" cy="6858000"/>
   <p:notesSz cx="6858000" cy="9144000"/>
@@ -4037,8 +4033,8 @@
           </a:prstGeom>
         </p:spPr>
       </p:pic>
-      <mc:AlternateContent xmlns:mc="http://schemas.openxmlformats.org/markup-compatibility/2006">
-        <mc:Choice xmlns:p14="http://schemas.microsoft.com/office/powerpoint/2010/main" Requires="p14">
+      <mc:AlternateContent xmlns:mc="http://schemas.openxmlformats.org/markup-compatibility/2006" xmlns:p14="http://schemas.microsoft.com/office/powerpoint/2010/main">
+        <mc:Choice Requires="p14">
           <p:contentPart p14:bwMode="auto" r:id="rId3">
             <p14:nvContentPartPr>
               <p14:cNvPr id="2" name="Ink 1">
@@ -4057,7 +4053,7 @@
             </p14:xfrm>
           </p:contentPart>
         </mc:Choice>
-        <mc:Fallback>
+        <mc:Fallback xmlns="">
           <p:pic>
             <p:nvPicPr>
               <p:cNvPr id="2" name="Ink 1">
@@ -4088,8 +4084,8 @@
           </p:pic>
         </mc:Fallback>
       </mc:AlternateContent>
-      <mc:AlternateContent xmlns:mc="http://schemas.openxmlformats.org/markup-compatibility/2006">
-        <mc:Choice xmlns:p14="http://schemas.microsoft.com/office/powerpoint/2010/main" Requires="p14">
+      <mc:AlternateContent xmlns:mc="http://schemas.openxmlformats.org/markup-compatibility/2006" xmlns:p14="http://schemas.microsoft.com/office/powerpoint/2010/main">
+        <mc:Choice Requires="p14">
           <p:contentPart p14:bwMode="auto" r:id="rId5">
             <p14:nvContentPartPr>
               <p14:cNvPr id="5" name="Ink 4">
@@ -4108,7 +4104,7 @@
             </p14:xfrm>
           </p:contentPart>
         </mc:Choice>
-        <mc:Fallback>
+        <mc:Fallback xmlns="">
           <p:pic>
             <p:nvPicPr>
               <p:cNvPr id="5" name="Ink 4">
@@ -4139,8 +4135,8 @@
           </p:pic>
         </mc:Fallback>
       </mc:AlternateContent>
-      <mc:AlternateContent xmlns:mc="http://schemas.openxmlformats.org/markup-compatibility/2006">
-        <mc:Choice xmlns:p14="http://schemas.microsoft.com/office/powerpoint/2010/main" Requires="p14">
+      <mc:AlternateContent xmlns:mc="http://schemas.openxmlformats.org/markup-compatibility/2006" xmlns:p14="http://schemas.microsoft.com/office/powerpoint/2010/main">
+        <mc:Choice Requires="p14">
           <p:contentPart p14:bwMode="auto" r:id="rId7">
             <p14:nvContentPartPr>
               <p14:cNvPr id="6" name="Ink 5">
@@ -4159,7 +4155,7 @@
             </p14:xfrm>
           </p:contentPart>
         </mc:Choice>
-        <mc:Fallback>
+        <mc:Fallback xmlns="">
           <p:pic>
             <p:nvPicPr>
               <p:cNvPr id="6" name="Ink 5">
@@ -4871,1881 +4867,6 @@
 </file>
 
 <file path=ppt/slides/slide21.xml><?xml version="1.0" encoding="utf-8"?>
-<p:sld xmlns:a="http://schemas.openxmlformats.org/drawingml/2006/main" xmlns:r="http://schemas.openxmlformats.org/officeDocument/2006/relationships" xmlns:p="http://schemas.openxmlformats.org/presentationml/2006/main">
-  <p:cSld>
-    <p:spTree>
-      <p:nvGrpSpPr>
-        <p:cNvPr id="1" name=""/>
-        <p:cNvGrpSpPr/>
-        <p:nvPr/>
-      </p:nvGrpSpPr>
-      <p:grpSpPr>
-        <a:xfrm>
-          <a:off x="0" y="0"/>
-          <a:ext cx="0" cy="0"/>
-          <a:chOff x="0" y="0"/>
-          <a:chExt cx="0" cy="0"/>
-        </a:xfrm>
-      </p:grpSpPr>
-      <p:sp>
-        <p:nvSpPr>
-          <p:cNvPr id="2" name="Title 1">
-            <a:extLst>
-              <a:ext uri="{FF2B5EF4-FFF2-40B4-BE49-F238E27FC236}">
-                <a16:creationId xmlns:a16="http://schemas.microsoft.com/office/drawing/2014/main" id="{2430984F-874E-427B-B16E-24336A5DBFB3}"/>
-              </a:ext>
-            </a:extLst>
-          </p:cNvPr>
-          <p:cNvSpPr>
-            <a:spLocks noGrp="1"/>
-          </p:cNvSpPr>
-          <p:nvPr>
-            <p:ph type="title"/>
-          </p:nvPr>
-        </p:nvSpPr>
-        <p:spPr/>
-        <p:txBody>
-          <a:bodyPr/>
-          <a:lstStyle/>
-          <a:p>
-            <a:r>
-              <a:rPr lang="en-US" dirty="0"/>
-              <a:t>Practice </a:t>
-            </a:r>
-          </a:p>
-        </p:txBody>
-      </p:sp>
-      <p:sp>
-        <p:nvSpPr>
-          <p:cNvPr id="4" name="Slide Number Placeholder 3">
-            <a:extLst>
-              <a:ext uri="{FF2B5EF4-FFF2-40B4-BE49-F238E27FC236}">
-                <a16:creationId xmlns:a16="http://schemas.microsoft.com/office/drawing/2014/main" id="{3BE47CC4-B8A6-4003-8C9D-D77947D9FA8E}"/>
-              </a:ext>
-            </a:extLst>
-          </p:cNvPr>
-          <p:cNvSpPr>
-            <a:spLocks noGrp="1"/>
-          </p:cNvSpPr>
-          <p:nvPr>
-            <p:ph type="sldNum" idx="12"/>
-          </p:nvPr>
-        </p:nvSpPr>
-        <p:spPr/>
-        <p:txBody>
-          <a:bodyPr/>
-          <a:lstStyle/>
-          <a:p>
-            <a:fld id="{00000000-1234-1234-1234-123412341234}" type="slidenum">
-              <a:rPr lang="en-US" smtClean="0"/>
-              <a:pPr/>
-              <a:t>21</a:t>
-            </a:fld>
-            <a:endParaRPr lang="en-US"/>
-          </a:p>
-        </p:txBody>
-      </p:sp>
-      <p:sp>
-        <p:nvSpPr>
-          <p:cNvPr id="5" name="TextBox 4">
-            <a:extLst>
-              <a:ext uri="{FF2B5EF4-FFF2-40B4-BE49-F238E27FC236}">
-                <a16:creationId xmlns:a16="http://schemas.microsoft.com/office/drawing/2014/main" id="{DAB350E2-184D-49F3-87C1-8E3B14C93216}"/>
-              </a:ext>
-            </a:extLst>
-          </p:cNvPr>
-          <p:cNvSpPr txBox="1"/>
-          <p:nvPr/>
-        </p:nvSpPr>
-        <p:spPr>
-          <a:xfrm>
-            <a:off x="1656346" y="2156121"/>
-            <a:ext cx="8161421" cy="1938992"/>
-          </a:xfrm>
-          <a:prstGeom prst="rect">
-            <a:avLst/>
-          </a:prstGeom>
-          <a:noFill/>
-        </p:spPr>
-        <p:txBody>
-          <a:bodyPr wrap="square" rtlCol="0">
-            <a:spAutoFit/>
-          </a:bodyPr>
-          <a:lstStyle/>
-          <a:p>
-            <a:r>
-              <a:rPr lang="en-US" sz="2400" dirty="0">
-                <a:latin typeface="Consolas" pitchFamily="49" charset="0"/>
-              </a:rPr>
-              <a:t>&gt;&gt;&gt; import </a:t>
-            </a:r>
-            <a:r>
-              <a:rPr lang="en-US" sz="2400" dirty="0" err="1">
-                <a:latin typeface="Consolas" pitchFamily="49" charset="0"/>
-              </a:rPr>
-              <a:t>numpy</a:t>
-            </a:r>
-            <a:r>
-              <a:rPr lang="en-US" sz="2400" dirty="0">
-                <a:latin typeface="Consolas" pitchFamily="49" charset="0"/>
-              </a:rPr>
-              <a:t> as </a:t>
-            </a:r>
-            <a:r>
-              <a:rPr lang="en-US" sz="2400" dirty="0" err="1">
-                <a:latin typeface="Consolas" pitchFamily="49" charset="0"/>
-              </a:rPr>
-              <a:t>np</a:t>
-            </a:r>
-            <a:endParaRPr lang="en-US" sz="2400" dirty="0">
-              <a:latin typeface="Consolas" pitchFamily="49" charset="0"/>
-            </a:endParaRPr>
-          </a:p>
-          <a:p>
-            <a:endParaRPr lang="en-US" sz="2400" dirty="0">
-              <a:latin typeface="Consolas" pitchFamily="49" charset="0"/>
-            </a:endParaRPr>
-          </a:p>
-          <a:p>
-            <a:r>
-              <a:rPr lang="en-US" sz="2400" dirty="0">
-                <a:latin typeface="Consolas" pitchFamily="49" charset="0"/>
-              </a:rPr>
-              <a:t>&gt;&gt;&gt; a = </a:t>
-            </a:r>
-            <a:r>
-              <a:rPr lang="en-US" sz="2400" dirty="0" err="1">
-                <a:latin typeface="Consolas" pitchFamily="49" charset="0"/>
-              </a:rPr>
-              <a:t>np.arange</a:t>
-            </a:r>
-            <a:r>
-              <a:rPr lang="en-US" sz="2400" dirty="0">
-                <a:latin typeface="Consolas" pitchFamily="49" charset="0"/>
-              </a:rPr>
-              <a:t>(15).reshape(3,5)</a:t>
-            </a:r>
-          </a:p>
-          <a:p>
-            <a:endParaRPr lang="en-US" sz="2400" dirty="0">
-              <a:latin typeface="Candara" panose="020E0502030303020204" pitchFamily="34" charset="0"/>
-            </a:endParaRPr>
-          </a:p>
-          <a:p>
-            <a:r>
-              <a:rPr lang="en-US" sz="2400" dirty="0">
-                <a:latin typeface="Candara" panose="020E0502030303020204" pitchFamily="34" charset="0"/>
-              </a:rPr>
-              <a:t>What does a look like?</a:t>
-            </a:r>
-          </a:p>
-        </p:txBody>
-      </p:sp>
-      <p:sp>
-        <p:nvSpPr>
-          <p:cNvPr id="6" name="TextBox 5">
-            <a:extLst>
-              <a:ext uri="{FF2B5EF4-FFF2-40B4-BE49-F238E27FC236}">
-                <a16:creationId xmlns:a16="http://schemas.microsoft.com/office/drawing/2014/main" id="{544F0230-A900-439E-AFFF-884F913E4D3D}"/>
-              </a:ext>
-            </a:extLst>
-          </p:cNvPr>
-          <p:cNvSpPr txBox="1"/>
-          <p:nvPr/>
-        </p:nvSpPr>
-        <p:spPr>
-          <a:xfrm>
-            <a:off x="1580146" y="1734165"/>
-            <a:ext cx="10832432" cy="461665"/>
-          </a:xfrm>
-          <a:prstGeom prst="rect">
-            <a:avLst/>
-          </a:prstGeom>
-          <a:noFill/>
-        </p:spPr>
-        <p:txBody>
-          <a:bodyPr wrap="square" rtlCol="0">
-            <a:spAutoFit/>
-          </a:bodyPr>
-          <a:lstStyle/>
-          <a:p>
-            <a:r>
-              <a:rPr lang="en-US" sz="2400" dirty="0">
-                <a:latin typeface="Candara" pitchFamily="34" charset="0"/>
-              </a:rPr>
-              <a:t>Let’s get started!</a:t>
-            </a:r>
-          </a:p>
-        </p:txBody>
-      </p:sp>
-      <p:sp>
-        <p:nvSpPr>
-          <p:cNvPr id="7" name="TextBox 6">
-            <a:extLst>
-              <a:ext uri="{FF2B5EF4-FFF2-40B4-BE49-F238E27FC236}">
-                <a16:creationId xmlns:a16="http://schemas.microsoft.com/office/drawing/2014/main" id="{BF66A42F-7A92-464B-A543-721FFE791647}"/>
-              </a:ext>
-            </a:extLst>
-          </p:cNvPr>
-          <p:cNvSpPr txBox="1"/>
-          <p:nvPr/>
-        </p:nvSpPr>
-        <p:spPr>
-          <a:xfrm>
-            <a:off x="1656345" y="4202461"/>
-            <a:ext cx="8161421" cy="1938992"/>
-          </a:xfrm>
-          <a:prstGeom prst="rect">
-            <a:avLst/>
-          </a:prstGeom>
-          <a:noFill/>
-        </p:spPr>
-        <p:txBody>
-          <a:bodyPr wrap="square" rtlCol="0">
-            <a:spAutoFit/>
-          </a:bodyPr>
-          <a:lstStyle/>
-          <a:p>
-            <a:r>
-              <a:rPr lang="en-US" sz="2400" dirty="0">
-                <a:latin typeface="Consolas" pitchFamily="49" charset="0"/>
-              </a:rPr>
-              <a:t>&gt;&gt;&gt; </a:t>
-            </a:r>
-            <a:r>
-              <a:rPr lang="en-US" sz="2400" dirty="0" err="1">
-                <a:latin typeface="Consolas" pitchFamily="49" charset="0"/>
-              </a:rPr>
-              <a:t>a.shape</a:t>
-            </a:r>
-            <a:endParaRPr lang="en-US" sz="2400" dirty="0">
-              <a:latin typeface="Consolas" pitchFamily="49" charset="0"/>
-            </a:endParaRPr>
-          </a:p>
-          <a:p>
-            <a:endParaRPr lang="en-US" sz="2400" dirty="0">
-              <a:latin typeface="Consolas" pitchFamily="49" charset="0"/>
-            </a:endParaRPr>
-          </a:p>
-          <a:p>
-            <a:r>
-              <a:rPr lang="en-US" sz="2400" dirty="0">
-                <a:latin typeface="Consolas" pitchFamily="49" charset="0"/>
-              </a:rPr>
-              <a:t>&gt;&gt;&gt; </a:t>
-            </a:r>
-            <a:r>
-              <a:rPr lang="en-US" sz="2400" dirty="0" err="1">
-                <a:latin typeface="Consolas" pitchFamily="49" charset="0"/>
-              </a:rPr>
-              <a:t>a.size</a:t>
-            </a:r>
-            <a:endParaRPr lang="en-US" sz="2400" dirty="0">
-              <a:latin typeface="Consolas" pitchFamily="49" charset="0"/>
-            </a:endParaRPr>
-          </a:p>
-          <a:p>
-            <a:endParaRPr lang="en-US" sz="2400" dirty="0">
-              <a:latin typeface="Consolas" pitchFamily="49" charset="0"/>
-            </a:endParaRPr>
-          </a:p>
-          <a:p>
-            <a:r>
-              <a:rPr lang="en-US" sz="2400" dirty="0">
-                <a:latin typeface="Consolas" pitchFamily="49" charset="0"/>
-              </a:rPr>
-              <a:t>&gt;&gt;&gt; type(a)</a:t>
-            </a:r>
-          </a:p>
-        </p:txBody>
-      </p:sp>
-      <p:sp>
-        <p:nvSpPr>
-          <p:cNvPr id="8" name="TextBox 7">
-            <a:extLst>
-              <a:ext uri="{FF2B5EF4-FFF2-40B4-BE49-F238E27FC236}">
-                <a16:creationId xmlns:a16="http://schemas.microsoft.com/office/drawing/2014/main" id="{B5AD12CF-7306-4BE2-840C-0DB56945F3A1}"/>
-              </a:ext>
-            </a:extLst>
-          </p:cNvPr>
-          <p:cNvSpPr txBox="1"/>
-          <p:nvPr/>
-        </p:nvSpPr>
-        <p:spPr>
-          <a:xfrm>
-            <a:off x="6304547" y="4482348"/>
-            <a:ext cx="4472564" cy="830997"/>
-          </a:xfrm>
-          <a:prstGeom prst="rect">
-            <a:avLst/>
-          </a:prstGeom>
-          <a:noFill/>
-        </p:spPr>
-        <p:txBody>
-          <a:bodyPr wrap="square" rtlCol="0">
-            <a:spAutoFit/>
-          </a:bodyPr>
-          <a:lstStyle/>
-          <a:p>
-            <a:r>
-              <a:rPr lang="en-US" sz="2400" dirty="0">
-                <a:latin typeface="Consolas" pitchFamily="49" charset="0"/>
-              </a:rPr>
-              <a:t>What is the type of the output?</a:t>
-            </a:r>
-          </a:p>
-        </p:txBody>
-      </p:sp>
-      <p:cxnSp>
-        <p:nvCxnSpPr>
-          <p:cNvPr id="9" name="Straight Arrow Connector 8">
-            <a:extLst>
-              <a:ext uri="{FF2B5EF4-FFF2-40B4-BE49-F238E27FC236}">
-                <a16:creationId xmlns:a16="http://schemas.microsoft.com/office/drawing/2014/main" id="{CBE17899-8235-471D-B1B9-9299C26C506A}"/>
-              </a:ext>
-            </a:extLst>
-          </p:cNvPr>
-          <p:cNvCxnSpPr>
-            <a:cxnSpLocks/>
-          </p:cNvCxnSpPr>
-          <p:nvPr/>
-        </p:nvCxnSpPr>
-        <p:spPr>
-          <a:xfrm>
-            <a:off x="3942347" y="3895804"/>
-            <a:ext cx="662564" cy="74145"/>
-          </a:xfrm>
-          <a:prstGeom prst="straightConnector1">
-            <a:avLst/>
-          </a:prstGeom>
-          <a:ln>
-            <a:tailEnd type="triangle"/>
-          </a:ln>
-        </p:spPr>
-        <p:style>
-          <a:lnRef idx="1">
-            <a:schemeClr val="accent1"/>
-          </a:lnRef>
-          <a:fillRef idx="0">
-            <a:schemeClr val="accent1"/>
-          </a:fillRef>
-          <a:effectRef idx="0">
-            <a:schemeClr val="accent1"/>
-          </a:effectRef>
-          <a:fontRef idx="minor">
-            <a:schemeClr val="tx1"/>
-          </a:fontRef>
-        </p:style>
-      </p:cxnSp>
-    </p:spTree>
-    <p:extLst>
-      <p:ext uri="{BB962C8B-B14F-4D97-AF65-F5344CB8AC3E}">
-        <p14:creationId xmlns:p14="http://schemas.microsoft.com/office/powerpoint/2010/main" val="841405339"/>
-      </p:ext>
-    </p:extLst>
-  </p:cSld>
-  <p:clrMapOvr>
-    <a:masterClrMapping/>
-  </p:clrMapOvr>
-  <p:timing>
-    <p:tnLst>
-      <p:par>
-        <p:cTn id="1" dur="indefinite" restart="never" nodeType="tmRoot">
-          <p:childTnLst>
-            <p:seq concurrent="1" nextAc="seek">
-              <p:cTn id="2" dur="indefinite" nodeType="mainSeq">
-                <p:childTnLst>
-                  <p:par>
-                    <p:cTn id="3" fill="hold">
-                      <p:stCondLst>
-                        <p:cond delay="indefinite"/>
-                      </p:stCondLst>
-                      <p:childTnLst>
-                        <p:par>
-                          <p:cTn id="4" fill="hold">
-                            <p:stCondLst>
-                              <p:cond delay="0"/>
-                            </p:stCondLst>
-                            <p:childTnLst>
-                              <p:par>
-                                <p:cTn id="5" presetID="1" presetClass="entr" presetSubtype="0" fill="hold" grpId="0" nodeType="clickEffect">
-                                  <p:stCondLst>
-                                    <p:cond delay="0"/>
-                                  </p:stCondLst>
-                                  <p:childTnLst>
-                                    <p:set>
-                                      <p:cBhvr>
-                                        <p:cTn id="6" dur="1" fill="hold">
-                                          <p:stCondLst>
-                                            <p:cond delay="0"/>
-                                          </p:stCondLst>
-                                        </p:cTn>
-                                        <p:tgtEl>
-                                          <p:spTgt spid="6"/>
-                                        </p:tgtEl>
-                                        <p:attrNameLst>
-                                          <p:attrName>style.visibility</p:attrName>
-                                        </p:attrNameLst>
-                                      </p:cBhvr>
-                                      <p:to>
-                                        <p:strVal val="visible"/>
-                                      </p:to>
-                                    </p:set>
-                                  </p:childTnLst>
-                                </p:cTn>
-                              </p:par>
-                              <p:par>
-                                <p:cTn id="7" presetID="1" presetClass="entr" presetSubtype="0" fill="hold" grpId="0" nodeType="withEffect">
-                                  <p:stCondLst>
-                                    <p:cond delay="0"/>
-                                  </p:stCondLst>
-                                  <p:childTnLst>
-                                    <p:set>
-                                      <p:cBhvr>
-                                        <p:cTn id="8" dur="1" fill="hold">
-                                          <p:stCondLst>
-                                            <p:cond delay="0"/>
-                                          </p:stCondLst>
-                                        </p:cTn>
-                                        <p:tgtEl>
-                                          <p:spTgt spid="5"/>
-                                        </p:tgtEl>
-                                        <p:attrNameLst>
-                                          <p:attrName>style.visibility</p:attrName>
-                                        </p:attrNameLst>
-                                      </p:cBhvr>
-                                      <p:to>
-                                        <p:strVal val="visible"/>
-                                      </p:to>
-                                    </p:set>
-                                  </p:childTnLst>
-                                </p:cTn>
-                              </p:par>
-                            </p:childTnLst>
-                          </p:cTn>
-                        </p:par>
-                      </p:childTnLst>
-                    </p:cTn>
-                  </p:par>
-                  <p:par>
-                    <p:cTn id="9" fill="hold">
-                      <p:stCondLst>
-                        <p:cond delay="indefinite"/>
-                      </p:stCondLst>
-                      <p:childTnLst>
-                        <p:par>
-                          <p:cTn id="10" fill="hold">
-                            <p:stCondLst>
-                              <p:cond delay="0"/>
-                            </p:stCondLst>
-                            <p:childTnLst>
-                              <p:par>
-                                <p:cTn id="11" presetID="1" presetClass="entr" presetSubtype="0" fill="hold" grpId="0" nodeType="clickEffect">
-                                  <p:stCondLst>
-                                    <p:cond delay="0"/>
-                                  </p:stCondLst>
-                                  <p:childTnLst>
-                                    <p:set>
-                                      <p:cBhvr>
-                                        <p:cTn id="12" dur="1" fill="hold">
-                                          <p:stCondLst>
-                                            <p:cond delay="0"/>
-                                          </p:stCondLst>
-                                        </p:cTn>
-                                        <p:tgtEl>
-                                          <p:spTgt spid="7"/>
-                                        </p:tgtEl>
-                                        <p:attrNameLst>
-                                          <p:attrName>style.visibility</p:attrName>
-                                        </p:attrNameLst>
-                                      </p:cBhvr>
-                                      <p:to>
-                                        <p:strVal val="visible"/>
-                                      </p:to>
-                                    </p:set>
-                                  </p:childTnLst>
-                                </p:cTn>
-                              </p:par>
-                            </p:childTnLst>
-                          </p:cTn>
-                        </p:par>
-                      </p:childTnLst>
-                    </p:cTn>
-                  </p:par>
-                  <p:par>
-                    <p:cTn id="13" fill="hold">
-                      <p:stCondLst>
-                        <p:cond delay="indefinite"/>
-                      </p:stCondLst>
-                      <p:childTnLst>
-                        <p:par>
-                          <p:cTn id="14" fill="hold">
-                            <p:stCondLst>
-                              <p:cond delay="0"/>
-                            </p:stCondLst>
-                            <p:childTnLst>
-                              <p:par>
-                                <p:cTn id="15" presetID="1" presetClass="entr" presetSubtype="0" fill="hold" grpId="0" nodeType="clickEffect">
-                                  <p:stCondLst>
-                                    <p:cond delay="0"/>
-                                  </p:stCondLst>
-                                  <p:childTnLst>
-                                    <p:set>
-                                      <p:cBhvr>
-                                        <p:cTn id="16" dur="1" fill="hold">
-                                          <p:stCondLst>
-                                            <p:cond delay="0"/>
-                                          </p:stCondLst>
-                                        </p:cTn>
-                                        <p:tgtEl>
-                                          <p:spTgt spid="8"/>
-                                        </p:tgtEl>
-                                        <p:attrNameLst>
-                                          <p:attrName>style.visibility</p:attrName>
-                                        </p:attrNameLst>
-                                      </p:cBhvr>
-                                      <p:to>
-                                        <p:strVal val="visible"/>
-                                      </p:to>
-                                    </p:set>
-                                  </p:childTnLst>
-                                </p:cTn>
-                              </p:par>
-                              <p:par>
-                                <p:cTn id="17" presetID="1" presetClass="entr" presetSubtype="0" fill="hold" nodeType="withEffect">
-                                  <p:stCondLst>
-                                    <p:cond delay="0"/>
-                                  </p:stCondLst>
-                                  <p:childTnLst>
-                                    <p:set>
-                                      <p:cBhvr>
-                                        <p:cTn id="18" dur="1" fill="hold">
-                                          <p:stCondLst>
-                                            <p:cond delay="0"/>
-                                          </p:stCondLst>
-                                        </p:cTn>
-                                        <p:tgtEl>
-                                          <p:spTgt spid="9"/>
-                                        </p:tgtEl>
-                                        <p:attrNameLst>
-                                          <p:attrName>style.visibility</p:attrName>
-                                        </p:attrNameLst>
-                                      </p:cBhvr>
-                                      <p:to>
-                                        <p:strVal val="visible"/>
-                                      </p:to>
-                                    </p:set>
-                                  </p:childTnLst>
-                                </p:cTn>
-                              </p:par>
-                            </p:childTnLst>
-                          </p:cTn>
-                        </p:par>
-                      </p:childTnLst>
-                    </p:cTn>
-                  </p:par>
-                </p:childTnLst>
-              </p:cTn>
-              <p:prevCondLst>
-                <p:cond evt="onPrev" delay="0">
-                  <p:tgtEl>
-                    <p:sldTgt/>
-                  </p:tgtEl>
-                </p:cond>
-              </p:prevCondLst>
-              <p:nextCondLst>
-                <p:cond evt="onNext" delay="0">
-                  <p:tgtEl>
-                    <p:sldTgt/>
-                  </p:tgtEl>
-                </p:cond>
-              </p:nextCondLst>
-            </p:seq>
-          </p:childTnLst>
-        </p:cTn>
-      </p:par>
-    </p:tnLst>
-    <p:bldLst>
-      <p:bldP spid="5" grpId="0"/>
-      <p:bldP spid="6" grpId="0"/>
-      <p:bldP spid="7" grpId="0"/>
-      <p:bldP spid="8" grpId="0"/>
-    </p:bldLst>
-  </p:timing>
-</p:sld>
-</file>
-
-<file path=ppt/slides/slide22.xml><?xml version="1.0" encoding="utf-8"?>
-<p:sld xmlns:a="http://schemas.openxmlformats.org/drawingml/2006/main" xmlns:r="http://schemas.openxmlformats.org/officeDocument/2006/relationships" xmlns:p="http://schemas.openxmlformats.org/presentationml/2006/main">
-  <p:cSld>
-    <p:spTree>
-      <p:nvGrpSpPr>
-        <p:cNvPr id="1" name=""/>
-        <p:cNvGrpSpPr/>
-        <p:nvPr/>
-      </p:nvGrpSpPr>
-      <p:grpSpPr>
-        <a:xfrm>
-          <a:off x="0" y="0"/>
-          <a:ext cx="0" cy="0"/>
-          <a:chOff x="0" y="0"/>
-          <a:chExt cx="0" cy="0"/>
-        </a:xfrm>
-      </p:grpSpPr>
-      <p:sp>
-        <p:nvSpPr>
-          <p:cNvPr id="2" name="Title 1">
-            <a:extLst>
-              <a:ext uri="{FF2B5EF4-FFF2-40B4-BE49-F238E27FC236}">
-                <a16:creationId xmlns:a16="http://schemas.microsoft.com/office/drawing/2014/main" id="{401BCC50-A16F-4DD3-8AE1-FCD664D1ACD7}"/>
-              </a:ext>
-            </a:extLst>
-          </p:cNvPr>
-          <p:cNvSpPr>
-            <a:spLocks noGrp="1"/>
-          </p:cNvSpPr>
-          <p:nvPr>
-            <p:ph type="title"/>
-          </p:nvPr>
-        </p:nvSpPr>
-        <p:spPr/>
-        <p:txBody>
-          <a:bodyPr>
-            <a:normAutofit/>
-          </a:bodyPr>
-          <a:lstStyle/>
-          <a:p>
-            <a:r>
-              <a:rPr lang="en-US" sz="4400" dirty="0">
-                <a:latin typeface="Candara" pitchFamily="34" charset="0"/>
-              </a:rPr>
-              <a:t>NumPy: defining an array</a:t>
-            </a:r>
-            <a:endParaRPr lang="en-US" dirty="0"/>
-          </a:p>
-        </p:txBody>
-      </p:sp>
-      <p:sp>
-        <p:nvSpPr>
-          <p:cNvPr id="4" name="Slide Number Placeholder 3">
-            <a:extLst>
-              <a:ext uri="{FF2B5EF4-FFF2-40B4-BE49-F238E27FC236}">
-                <a16:creationId xmlns:a16="http://schemas.microsoft.com/office/drawing/2014/main" id="{9FE14DA4-6A3D-445A-9189-26ACB65228E9}"/>
-              </a:ext>
-            </a:extLst>
-          </p:cNvPr>
-          <p:cNvSpPr>
-            <a:spLocks noGrp="1"/>
-          </p:cNvSpPr>
-          <p:nvPr>
-            <p:ph type="sldNum" idx="12"/>
-          </p:nvPr>
-        </p:nvSpPr>
-        <p:spPr/>
-        <p:txBody>
-          <a:bodyPr/>
-          <a:lstStyle/>
-          <a:p>
-            <a:fld id="{00000000-1234-1234-1234-123412341234}" type="slidenum">
-              <a:rPr lang="en-US" smtClean="0"/>
-              <a:pPr/>
-              <a:t>22</a:t>
-            </a:fld>
-            <a:endParaRPr lang="en-US"/>
-          </a:p>
-        </p:txBody>
-      </p:sp>
-      <p:sp>
-        <p:nvSpPr>
-          <p:cNvPr id="5" name="TextBox 4">
-            <a:extLst>
-              <a:ext uri="{FF2B5EF4-FFF2-40B4-BE49-F238E27FC236}">
-                <a16:creationId xmlns:a16="http://schemas.microsoft.com/office/drawing/2014/main" id="{619CCDF8-06AE-410B-AA37-E6D2EA419A6C}"/>
-              </a:ext>
-            </a:extLst>
-          </p:cNvPr>
-          <p:cNvSpPr txBox="1"/>
-          <p:nvPr/>
-        </p:nvSpPr>
-        <p:spPr>
-          <a:xfrm>
-            <a:off x="1227221" y="1614573"/>
-            <a:ext cx="7953542" cy="461665"/>
-          </a:xfrm>
-          <a:prstGeom prst="rect">
-            <a:avLst/>
-          </a:prstGeom>
-          <a:noFill/>
-        </p:spPr>
-        <p:txBody>
-          <a:bodyPr wrap="square" rtlCol="0">
-            <a:spAutoFit/>
-          </a:bodyPr>
-          <a:lstStyle/>
-          <a:p>
-            <a:r>
-              <a:rPr lang="en-US" sz="2400" dirty="0">
-                <a:latin typeface="Candara" pitchFamily="34" charset="0"/>
-              </a:rPr>
-              <a:t>you can start from a list and then convert it into an array</a:t>
-            </a:r>
-          </a:p>
-        </p:txBody>
-      </p:sp>
-      <p:sp>
-        <p:nvSpPr>
-          <p:cNvPr id="6" name="TextBox 5">
-            <a:extLst>
-              <a:ext uri="{FF2B5EF4-FFF2-40B4-BE49-F238E27FC236}">
-                <a16:creationId xmlns:a16="http://schemas.microsoft.com/office/drawing/2014/main" id="{9A8EE615-E1EB-428C-AFC4-B0BB3FEB8F98}"/>
-              </a:ext>
-            </a:extLst>
-          </p:cNvPr>
-          <p:cNvSpPr txBox="1"/>
-          <p:nvPr/>
-        </p:nvSpPr>
-        <p:spPr>
-          <a:xfrm>
-            <a:off x="1303420" y="2105527"/>
-            <a:ext cx="8498305" cy="1200329"/>
-          </a:xfrm>
-          <a:prstGeom prst="rect">
-            <a:avLst/>
-          </a:prstGeom>
-          <a:noFill/>
-        </p:spPr>
-        <p:txBody>
-          <a:bodyPr wrap="square" rtlCol="0">
-            <a:spAutoFit/>
-          </a:bodyPr>
-          <a:lstStyle/>
-          <a:p>
-            <a:r>
-              <a:rPr lang="en-US" sz="2400" dirty="0">
-                <a:latin typeface="Consolas" pitchFamily="49" charset="0"/>
-              </a:rPr>
-              <a:t>&gt;&gt;&gt; </a:t>
-            </a:r>
-            <a:r>
-              <a:rPr lang="en-US" sz="2400" dirty="0" err="1">
-                <a:latin typeface="Consolas" pitchFamily="49" charset="0"/>
-              </a:rPr>
-              <a:t>cvalues</a:t>
-            </a:r>
-            <a:r>
-              <a:rPr lang="en-US" sz="2400" dirty="0">
-                <a:latin typeface="Consolas" pitchFamily="49" charset="0"/>
-              </a:rPr>
-              <a:t> = [25.3, 24.8, 26.9, 23.9]</a:t>
-            </a:r>
-          </a:p>
-          <a:p>
-            <a:endParaRPr lang="en-US" sz="2400" dirty="0">
-              <a:latin typeface="Consolas" pitchFamily="49" charset="0"/>
-            </a:endParaRPr>
-          </a:p>
-          <a:p>
-            <a:r>
-              <a:rPr lang="en-US" sz="2400" dirty="0">
-                <a:latin typeface="Consolas" pitchFamily="49" charset="0"/>
-              </a:rPr>
-              <a:t>&gt;&gt;&gt; C = </a:t>
-            </a:r>
-            <a:r>
-              <a:rPr lang="en-US" sz="2400" dirty="0" err="1">
-                <a:latin typeface="Consolas" pitchFamily="49" charset="0"/>
-              </a:rPr>
-              <a:t>np.array</a:t>
-            </a:r>
-            <a:r>
-              <a:rPr lang="en-US" sz="2400" dirty="0">
-                <a:latin typeface="Consolas" pitchFamily="49" charset="0"/>
-              </a:rPr>
-              <a:t>(</a:t>
-            </a:r>
-            <a:r>
-              <a:rPr lang="en-US" sz="2400" dirty="0" err="1">
-                <a:latin typeface="Consolas" pitchFamily="49" charset="0"/>
-              </a:rPr>
-              <a:t>cvalues</a:t>
-            </a:r>
-            <a:r>
-              <a:rPr lang="en-US" sz="2400" dirty="0">
-                <a:latin typeface="Consolas" pitchFamily="49" charset="0"/>
-              </a:rPr>
-              <a:t>)</a:t>
-            </a:r>
-          </a:p>
-        </p:txBody>
-      </p:sp>
-      <p:sp>
-        <p:nvSpPr>
-          <p:cNvPr id="7" name="TextBox 6">
-            <a:extLst>
-              <a:ext uri="{FF2B5EF4-FFF2-40B4-BE49-F238E27FC236}">
-                <a16:creationId xmlns:a16="http://schemas.microsoft.com/office/drawing/2014/main" id="{E2992432-70D4-477B-8104-9609E9C2633E}"/>
-              </a:ext>
-            </a:extLst>
-          </p:cNvPr>
-          <p:cNvSpPr txBox="1"/>
-          <p:nvPr/>
-        </p:nvSpPr>
-        <p:spPr>
-          <a:xfrm>
-            <a:off x="1227221" y="3400927"/>
-            <a:ext cx="7953542" cy="461665"/>
-          </a:xfrm>
-          <a:prstGeom prst="rect">
-            <a:avLst/>
-          </a:prstGeom>
-          <a:noFill/>
-        </p:spPr>
-        <p:txBody>
-          <a:bodyPr wrap="square" rtlCol="0">
-            <a:spAutoFit/>
-          </a:bodyPr>
-          <a:lstStyle/>
-          <a:p>
-            <a:r>
-              <a:rPr lang="en-US" sz="2400" dirty="0">
-                <a:latin typeface="Candara" pitchFamily="34" charset="0"/>
-              </a:rPr>
-              <a:t>or directly</a:t>
-            </a:r>
-          </a:p>
-        </p:txBody>
-      </p:sp>
-      <p:sp>
-        <p:nvSpPr>
-          <p:cNvPr id="8" name="TextBox 7">
-            <a:extLst>
-              <a:ext uri="{FF2B5EF4-FFF2-40B4-BE49-F238E27FC236}">
-                <a16:creationId xmlns:a16="http://schemas.microsoft.com/office/drawing/2014/main" id="{E9F48C66-78FE-4225-B3C2-C6FD7E6CC77A}"/>
-              </a:ext>
-            </a:extLst>
-          </p:cNvPr>
-          <p:cNvSpPr txBox="1"/>
-          <p:nvPr/>
-        </p:nvSpPr>
-        <p:spPr>
-          <a:xfrm>
-            <a:off x="1303420" y="3865330"/>
-            <a:ext cx="8498305" cy="830997"/>
-          </a:xfrm>
-          <a:prstGeom prst="rect">
-            <a:avLst/>
-          </a:prstGeom>
-          <a:noFill/>
-        </p:spPr>
-        <p:txBody>
-          <a:bodyPr wrap="square" rtlCol="0">
-            <a:spAutoFit/>
-          </a:bodyPr>
-          <a:lstStyle/>
-          <a:p>
-            <a:r>
-              <a:rPr lang="en-US" sz="2400" dirty="0">
-                <a:latin typeface="Consolas" pitchFamily="49" charset="0"/>
-              </a:rPr>
-              <a:t>&gt;&gt;&gt; a = </a:t>
-            </a:r>
-            <a:r>
-              <a:rPr lang="en-US" sz="2400" dirty="0" err="1">
-                <a:latin typeface="Consolas" pitchFamily="49" charset="0"/>
-              </a:rPr>
-              <a:t>np.array</a:t>
-            </a:r>
-            <a:r>
-              <a:rPr lang="en-US" sz="2400" dirty="0">
-                <a:latin typeface="Consolas" pitchFamily="49" charset="0"/>
-              </a:rPr>
-              <a:t>([(1.5,2,3),(4,5,6)])</a:t>
-            </a:r>
-          </a:p>
-          <a:p>
-            <a:r>
-              <a:rPr lang="en-US" sz="2400" dirty="0">
-                <a:latin typeface="Consolas" pitchFamily="49" charset="0"/>
-              </a:rPr>
-              <a:t>&gt;&gt;&gt; a</a:t>
-            </a:r>
-          </a:p>
-        </p:txBody>
-      </p:sp>
-      <p:sp>
-        <p:nvSpPr>
-          <p:cNvPr id="9" name="TextBox 8">
-            <a:extLst>
-              <a:ext uri="{FF2B5EF4-FFF2-40B4-BE49-F238E27FC236}">
-                <a16:creationId xmlns:a16="http://schemas.microsoft.com/office/drawing/2014/main" id="{92979349-385C-45DD-BD2B-CF6C257B340A}"/>
-              </a:ext>
-            </a:extLst>
-          </p:cNvPr>
-          <p:cNvSpPr txBox="1"/>
-          <p:nvPr/>
-        </p:nvSpPr>
-        <p:spPr>
-          <a:xfrm>
-            <a:off x="1303420" y="4873552"/>
-            <a:ext cx="8498305" cy="830997"/>
-          </a:xfrm>
-          <a:prstGeom prst="rect">
-            <a:avLst/>
-          </a:prstGeom>
-          <a:noFill/>
-        </p:spPr>
-        <p:txBody>
-          <a:bodyPr wrap="square" rtlCol="0">
-            <a:spAutoFit/>
-          </a:bodyPr>
-          <a:lstStyle/>
-          <a:p>
-            <a:r>
-              <a:rPr lang="en-US" sz="2400" dirty="0">
-                <a:latin typeface="Consolas" pitchFamily="49" charset="0"/>
-              </a:rPr>
-              <a:t>&gt;&gt;&gt; b = </a:t>
-            </a:r>
-            <a:r>
-              <a:rPr lang="en-US" sz="2400" dirty="0" err="1">
-                <a:latin typeface="Consolas" pitchFamily="49" charset="0"/>
-              </a:rPr>
-              <a:t>np.array</a:t>
-            </a:r>
-            <a:r>
-              <a:rPr lang="en-US" sz="2400" dirty="0">
-                <a:latin typeface="Consolas" pitchFamily="49" charset="0"/>
-              </a:rPr>
-              <a:t>([(1,2),(3,4)], </a:t>
-            </a:r>
-            <a:r>
-              <a:rPr lang="en-US" sz="2400" dirty="0" err="1">
-                <a:latin typeface="Consolas" pitchFamily="49" charset="0"/>
-              </a:rPr>
-              <a:t>dtype</a:t>
-            </a:r>
-            <a:r>
-              <a:rPr lang="en-US" sz="2400" dirty="0">
-                <a:latin typeface="Consolas" pitchFamily="49" charset="0"/>
-              </a:rPr>
-              <a:t>=complex)</a:t>
-            </a:r>
-          </a:p>
-          <a:p>
-            <a:r>
-              <a:rPr lang="en-US" sz="2400" dirty="0">
-                <a:latin typeface="Consolas" pitchFamily="49" charset="0"/>
-              </a:rPr>
-              <a:t>&gt;&gt;&gt; b</a:t>
-            </a:r>
-          </a:p>
-        </p:txBody>
-      </p:sp>
-    </p:spTree>
-    <p:extLst>
-      <p:ext uri="{BB962C8B-B14F-4D97-AF65-F5344CB8AC3E}">
-        <p14:creationId xmlns:p14="http://schemas.microsoft.com/office/powerpoint/2010/main" val="4130754069"/>
-      </p:ext>
-    </p:extLst>
-  </p:cSld>
-  <p:clrMapOvr>
-    <a:masterClrMapping/>
-  </p:clrMapOvr>
-  <p:timing>
-    <p:tnLst>
-      <p:par>
-        <p:cTn id="1" dur="indefinite" restart="never" nodeType="tmRoot">
-          <p:childTnLst>
-            <p:seq concurrent="1" nextAc="seek">
-              <p:cTn id="2" dur="indefinite" nodeType="mainSeq">
-                <p:childTnLst>
-                  <p:par>
-                    <p:cTn id="3" fill="hold">
-                      <p:stCondLst>
-                        <p:cond delay="indefinite"/>
-                      </p:stCondLst>
-                      <p:childTnLst>
-                        <p:par>
-                          <p:cTn id="4" fill="hold">
-                            <p:stCondLst>
-                              <p:cond delay="0"/>
-                            </p:stCondLst>
-                            <p:childTnLst>
-                              <p:par>
-                                <p:cTn id="5" presetID="1" presetClass="entr" presetSubtype="0" fill="hold" grpId="0" nodeType="clickEffect">
-                                  <p:stCondLst>
-                                    <p:cond delay="0"/>
-                                  </p:stCondLst>
-                                  <p:childTnLst>
-                                    <p:set>
-                                      <p:cBhvr>
-                                        <p:cTn id="6" dur="1" fill="hold">
-                                          <p:stCondLst>
-                                            <p:cond delay="0"/>
-                                          </p:stCondLst>
-                                        </p:cTn>
-                                        <p:tgtEl>
-                                          <p:spTgt spid="7"/>
-                                        </p:tgtEl>
-                                        <p:attrNameLst>
-                                          <p:attrName>style.visibility</p:attrName>
-                                        </p:attrNameLst>
-                                      </p:cBhvr>
-                                      <p:to>
-                                        <p:strVal val="visible"/>
-                                      </p:to>
-                                    </p:set>
-                                  </p:childTnLst>
-                                </p:cTn>
-                              </p:par>
-                              <p:par>
-                                <p:cTn id="7" presetID="1" presetClass="entr" presetSubtype="0" fill="hold" grpId="0" nodeType="withEffect">
-                                  <p:stCondLst>
-                                    <p:cond delay="0"/>
-                                  </p:stCondLst>
-                                  <p:childTnLst>
-                                    <p:set>
-                                      <p:cBhvr>
-                                        <p:cTn id="8" dur="1" fill="hold">
-                                          <p:stCondLst>
-                                            <p:cond delay="0"/>
-                                          </p:stCondLst>
-                                        </p:cTn>
-                                        <p:tgtEl>
-                                          <p:spTgt spid="8"/>
-                                        </p:tgtEl>
-                                        <p:attrNameLst>
-                                          <p:attrName>style.visibility</p:attrName>
-                                        </p:attrNameLst>
-                                      </p:cBhvr>
-                                      <p:to>
-                                        <p:strVal val="visible"/>
-                                      </p:to>
-                                    </p:set>
-                                  </p:childTnLst>
-                                </p:cTn>
-                              </p:par>
-                            </p:childTnLst>
-                          </p:cTn>
-                        </p:par>
-                      </p:childTnLst>
-                    </p:cTn>
-                  </p:par>
-                  <p:par>
-                    <p:cTn id="9" fill="hold">
-                      <p:stCondLst>
-                        <p:cond delay="indefinite"/>
-                      </p:stCondLst>
-                      <p:childTnLst>
-                        <p:par>
-                          <p:cTn id="10" fill="hold">
-                            <p:stCondLst>
-                              <p:cond delay="0"/>
-                            </p:stCondLst>
-                            <p:childTnLst>
-                              <p:par>
-                                <p:cTn id="11" presetID="1" presetClass="entr" presetSubtype="0" fill="hold" grpId="0" nodeType="clickEffect">
-                                  <p:stCondLst>
-                                    <p:cond delay="0"/>
-                                  </p:stCondLst>
-                                  <p:childTnLst>
-                                    <p:set>
-                                      <p:cBhvr>
-                                        <p:cTn id="12" dur="1" fill="hold">
-                                          <p:stCondLst>
-                                            <p:cond delay="0"/>
-                                          </p:stCondLst>
-                                        </p:cTn>
-                                        <p:tgtEl>
-                                          <p:spTgt spid="9"/>
-                                        </p:tgtEl>
-                                        <p:attrNameLst>
-                                          <p:attrName>style.visibility</p:attrName>
-                                        </p:attrNameLst>
-                                      </p:cBhvr>
-                                      <p:to>
-                                        <p:strVal val="visible"/>
-                                      </p:to>
-                                    </p:set>
-                                  </p:childTnLst>
-                                </p:cTn>
-                              </p:par>
-                            </p:childTnLst>
-                          </p:cTn>
-                        </p:par>
-                      </p:childTnLst>
-                    </p:cTn>
-                  </p:par>
-                </p:childTnLst>
-              </p:cTn>
-              <p:prevCondLst>
-                <p:cond evt="onPrev" delay="0">
-                  <p:tgtEl>
-                    <p:sldTgt/>
-                  </p:tgtEl>
-                </p:cond>
-              </p:prevCondLst>
-              <p:nextCondLst>
-                <p:cond evt="onNext" delay="0">
-                  <p:tgtEl>
-                    <p:sldTgt/>
-                  </p:tgtEl>
-                </p:cond>
-              </p:nextCondLst>
-            </p:seq>
-          </p:childTnLst>
-        </p:cTn>
-      </p:par>
-    </p:tnLst>
-    <p:bldLst>
-      <p:bldP spid="7" grpId="0"/>
-      <p:bldP spid="8" grpId="0"/>
-      <p:bldP spid="9" grpId="0"/>
-    </p:bldLst>
-  </p:timing>
-</p:sld>
-</file>
-
-<file path=ppt/slides/slide23.xml><?xml version="1.0" encoding="utf-8"?>
-<p:sld xmlns:a="http://schemas.openxmlformats.org/drawingml/2006/main" xmlns:r="http://schemas.openxmlformats.org/officeDocument/2006/relationships" xmlns:p="http://schemas.openxmlformats.org/presentationml/2006/main">
-  <p:cSld>
-    <p:spTree>
-      <p:nvGrpSpPr>
-        <p:cNvPr id="1" name=""/>
-        <p:cNvGrpSpPr/>
-        <p:nvPr/>
-      </p:nvGrpSpPr>
-      <p:grpSpPr>
-        <a:xfrm>
-          <a:off x="0" y="0"/>
-          <a:ext cx="0" cy="0"/>
-          <a:chOff x="0" y="0"/>
-          <a:chExt cx="0" cy="0"/>
-        </a:xfrm>
-      </p:grpSpPr>
-      <p:pic>
-        <p:nvPicPr>
-          <p:cNvPr id="2" name="Picture 1" descr="download.jpg"/>
-          <p:cNvPicPr>
-            <a:picLocks noChangeAspect="1"/>
-          </p:cNvPicPr>
-          <p:nvPr/>
-        </p:nvPicPr>
-        <p:blipFill>
-          <a:blip r:embed="rId2" cstate="print"/>
-          <a:stretch>
-            <a:fillRect/>
-          </a:stretch>
-        </p:blipFill>
-        <p:spPr>
-          <a:xfrm>
-            <a:off x="9067800" y="381000"/>
-            <a:ext cx="1371600" cy="457200"/>
-          </a:xfrm>
-          <a:prstGeom prst="rect">
-            <a:avLst/>
-          </a:prstGeom>
-        </p:spPr>
-      </p:pic>
-      <p:sp>
-        <p:nvSpPr>
-          <p:cNvPr id="3" name="TextBox 2"/>
-          <p:cNvSpPr txBox="1"/>
-          <p:nvPr/>
-        </p:nvSpPr>
-        <p:spPr>
-          <a:xfrm>
-            <a:off x="1847528" y="188640"/>
-            <a:ext cx="8352928" cy="589072"/>
-          </a:xfrm>
-          <a:prstGeom prst="rect">
-            <a:avLst/>
-          </a:prstGeom>
-          <a:noFill/>
-        </p:spPr>
-        <p:txBody>
-          <a:bodyPr wrap="square" rtlCol="0">
-            <a:spAutoFit/>
-          </a:bodyPr>
-          <a:lstStyle/>
-          <a:p>
-            <a:pPr>
-              <a:lnSpc>
-                <a:spcPct val="150000"/>
-              </a:lnSpc>
-            </a:pPr>
-            <a:r>
-              <a:rPr lang="en-US" sz="2400" dirty="0" err="1">
-                <a:latin typeface="Candara" pitchFamily="34" charset="0"/>
-              </a:rPr>
-              <a:t>NumPy</a:t>
-            </a:r>
-            <a:r>
-              <a:rPr lang="en-US" sz="2400" dirty="0">
-                <a:latin typeface="Candara" pitchFamily="34" charset="0"/>
-              </a:rPr>
-              <a:t>: defining an array</a:t>
-            </a:r>
-          </a:p>
-        </p:txBody>
-      </p:sp>
-      <p:sp>
-        <p:nvSpPr>
-          <p:cNvPr id="4" name="TextBox 3"/>
-          <p:cNvSpPr txBox="1"/>
-          <p:nvPr/>
-        </p:nvSpPr>
-        <p:spPr>
-          <a:xfrm>
-            <a:off x="4419600" y="1566446"/>
-            <a:ext cx="5562600" cy="338554"/>
-          </a:xfrm>
-          <a:prstGeom prst="rect">
-            <a:avLst/>
-          </a:prstGeom>
-          <a:noFill/>
-        </p:spPr>
-        <p:txBody>
-          <a:bodyPr wrap="square" rtlCol="0">
-            <a:spAutoFit/>
-          </a:bodyPr>
-          <a:lstStyle/>
-          <a:p>
-            <a:r>
-              <a:rPr lang="en-US" sz="1600" dirty="0">
-                <a:latin typeface="Candara" pitchFamily="34" charset="0"/>
-              </a:rPr>
-              <a:t>create a sequence of numbers</a:t>
-            </a:r>
-          </a:p>
-        </p:txBody>
-      </p:sp>
-      <p:sp>
-        <p:nvSpPr>
-          <p:cNvPr id="5" name="TextBox 4"/>
-          <p:cNvSpPr txBox="1"/>
-          <p:nvPr/>
-        </p:nvSpPr>
-        <p:spPr>
-          <a:xfrm>
-            <a:off x="4495800" y="2057400"/>
-            <a:ext cx="5943600" cy="1154162"/>
-          </a:xfrm>
-          <a:prstGeom prst="rect">
-            <a:avLst/>
-          </a:prstGeom>
-          <a:noFill/>
-        </p:spPr>
-        <p:txBody>
-          <a:bodyPr wrap="square" rtlCol="0">
-            <a:spAutoFit/>
-          </a:bodyPr>
-          <a:lstStyle/>
-          <a:p>
-            <a:r>
-              <a:rPr lang="en-US" sz="1600" dirty="0">
-                <a:latin typeface="Consolas" pitchFamily="49" charset="0"/>
-              </a:rPr>
-              <a:t>&gt;&gt;&gt; a = </a:t>
-            </a:r>
-            <a:r>
-              <a:rPr lang="en-US" sz="1600" dirty="0" err="1">
-                <a:latin typeface="Consolas" pitchFamily="49" charset="0"/>
-              </a:rPr>
-              <a:t>np.arange</a:t>
-            </a:r>
-            <a:r>
-              <a:rPr lang="en-US" sz="1600" dirty="0">
-                <a:latin typeface="Consolas" pitchFamily="49" charset="0"/>
-              </a:rPr>
-              <a:t>(10, 30, 5)</a:t>
-            </a:r>
-          </a:p>
-          <a:p>
-            <a:endParaRPr lang="en-US" sz="500" dirty="0">
-              <a:latin typeface="Consolas" pitchFamily="49" charset="0"/>
-            </a:endParaRPr>
-          </a:p>
-          <a:p>
-            <a:r>
-              <a:rPr lang="en-US" sz="1600" dirty="0">
-                <a:latin typeface="Consolas" pitchFamily="49" charset="0"/>
-              </a:rPr>
-              <a:t>&gt;&gt;&gt; a</a:t>
-            </a:r>
-          </a:p>
-          <a:p>
-            <a:endParaRPr lang="en-US" sz="1600" dirty="0">
-              <a:latin typeface="Consolas" pitchFamily="49" charset="0"/>
-            </a:endParaRPr>
-          </a:p>
-          <a:p>
-            <a:r>
-              <a:rPr lang="en-US" sz="1600" dirty="0">
-                <a:latin typeface="Consolas" pitchFamily="49" charset="0"/>
-              </a:rPr>
-              <a:t>&gt;&gt;&gt; a = </a:t>
-            </a:r>
-            <a:r>
-              <a:rPr lang="en-US" sz="1600" dirty="0" err="1">
-                <a:latin typeface="Consolas" pitchFamily="49" charset="0"/>
-              </a:rPr>
-              <a:t>np.arange</a:t>
-            </a:r>
-            <a:r>
-              <a:rPr lang="en-US" sz="1600" dirty="0">
-                <a:latin typeface="Consolas" pitchFamily="49" charset="0"/>
-              </a:rPr>
-              <a:t>(0, 2, 0.3)</a:t>
-            </a:r>
-          </a:p>
-        </p:txBody>
-      </p:sp>
-      <p:sp>
-        <p:nvSpPr>
-          <p:cNvPr id="14" name="TextBox 13"/>
-          <p:cNvSpPr txBox="1"/>
-          <p:nvPr/>
-        </p:nvSpPr>
-        <p:spPr>
-          <a:xfrm>
-            <a:off x="4495800" y="4114800"/>
-            <a:ext cx="5943600" cy="338554"/>
-          </a:xfrm>
-          <a:prstGeom prst="rect">
-            <a:avLst/>
-          </a:prstGeom>
-          <a:noFill/>
-        </p:spPr>
-        <p:txBody>
-          <a:bodyPr wrap="square" rtlCol="0">
-            <a:spAutoFit/>
-          </a:bodyPr>
-          <a:lstStyle/>
-          <a:p>
-            <a:r>
-              <a:rPr lang="en-US" sz="1600" dirty="0">
-                <a:latin typeface="Consolas" pitchFamily="49" charset="0"/>
-              </a:rPr>
-              <a:t>&gt;&gt;&gt; print (</a:t>
-            </a:r>
-            <a:r>
-              <a:rPr lang="en-US" sz="1600" dirty="0" err="1">
-                <a:latin typeface="Consolas" pitchFamily="49" charset="0"/>
-              </a:rPr>
-              <a:t>np.arange</a:t>
-            </a:r>
-            <a:r>
-              <a:rPr lang="en-US" sz="1600" dirty="0">
-                <a:latin typeface="Consolas" pitchFamily="49" charset="0"/>
-              </a:rPr>
-              <a:t>(10000).reshape(100,100))</a:t>
-            </a:r>
-          </a:p>
-        </p:txBody>
-      </p:sp>
-    </p:spTree>
-    <p:extLst>
-      <p:ext uri="{BB962C8B-B14F-4D97-AF65-F5344CB8AC3E}">
-        <p14:creationId xmlns:p14="http://schemas.microsoft.com/office/powerpoint/2010/main" val="1406739514"/>
-      </p:ext>
-    </p:extLst>
-  </p:cSld>
-  <p:clrMapOvr>
-    <a:masterClrMapping/>
-  </p:clrMapOvr>
-  <p:timing>
-    <p:tnLst>
-      <p:par>
-        <p:cTn id="1" dur="indefinite" restart="never" nodeType="tmRoot">
-          <p:childTnLst>
-            <p:seq concurrent="1" nextAc="seek">
-              <p:cTn id="2" dur="indefinite" nodeType="mainSeq">
-                <p:childTnLst>
-                  <p:par>
-                    <p:cTn id="3" fill="hold">
-                      <p:stCondLst>
-                        <p:cond delay="indefinite"/>
-                      </p:stCondLst>
-                      <p:childTnLst>
-                        <p:par>
-                          <p:cTn id="4" fill="hold">
-                            <p:stCondLst>
-                              <p:cond delay="0"/>
-                            </p:stCondLst>
-                            <p:childTnLst>
-                              <p:par>
-                                <p:cTn id="5" presetID="1" presetClass="entr" presetSubtype="0" fill="hold" grpId="0" nodeType="clickEffect">
-                                  <p:stCondLst>
-                                    <p:cond delay="0"/>
-                                  </p:stCondLst>
-                                  <p:childTnLst>
-                                    <p:set>
-                                      <p:cBhvr>
-                                        <p:cTn id="6" dur="1" fill="hold">
-                                          <p:stCondLst>
-                                            <p:cond delay="0"/>
-                                          </p:stCondLst>
-                                        </p:cTn>
-                                        <p:tgtEl>
-                                          <p:spTgt spid="14"/>
-                                        </p:tgtEl>
-                                        <p:attrNameLst>
-                                          <p:attrName>style.visibility</p:attrName>
-                                        </p:attrNameLst>
-                                      </p:cBhvr>
-                                      <p:to>
-                                        <p:strVal val="visible"/>
-                                      </p:to>
-                                    </p:set>
-                                  </p:childTnLst>
-                                </p:cTn>
-                              </p:par>
-                            </p:childTnLst>
-                          </p:cTn>
-                        </p:par>
-                      </p:childTnLst>
-                    </p:cTn>
-                  </p:par>
-                </p:childTnLst>
-              </p:cTn>
-              <p:prevCondLst>
-                <p:cond evt="onPrev" delay="0">
-                  <p:tgtEl>
-                    <p:sldTgt/>
-                  </p:tgtEl>
-                </p:cond>
-              </p:prevCondLst>
-              <p:nextCondLst>
-                <p:cond evt="onNext" delay="0">
-                  <p:tgtEl>
-                    <p:sldTgt/>
-                  </p:tgtEl>
-                </p:cond>
-              </p:nextCondLst>
-            </p:seq>
-          </p:childTnLst>
-        </p:cTn>
-      </p:par>
-    </p:tnLst>
-    <p:bldLst>
-      <p:bldP spid="14" grpId="0"/>
-    </p:bldLst>
-  </p:timing>
-</p:sld>
-</file>
-
-<file path=ppt/slides/slide24.xml><?xml version="1.0" encoding="utf-8"?>
-<p:sld xmlns:a="http://schemas.openxmlformats.org/drawingml/2006/main" xmlns:r="http://schemas.openxmlformats.org/officeDocument/2006/relationships" xmlns:p="http://schemas.openxmlformats.org/presentationml/2006/main">
-  <p:cSld>
-    <p:spTree>
-      <p:nvGrpSpPr>
-        <p:cNvPr id="1" name=""/>
-        <p:cNvGrpSpPr/>
-        <p:nvPr/>
-      </p:nvGrpSpPr>
-      <p:grpSpPr>
-        <a:xfrm>
-          <a:off x="0" y="0"/>
-          <a:ext cx="0" cy="0"/>
-          <a:chOff x="0" y="0"/>
-          <a:chExt cx="0" cy="0"/>
-        </a:xfrm>
-      </p:grpSpPr>
-      <p:pic>
-        <p:nvPicPr>
-          <p:cNvPr id="2" name="Picture 1" descr="download.jpg"/>
-          <p:cNvPicPr>
-            <a:picLocks noChangeAspect="1"/>
-          </p:cNvPicPr>
-          <p:nvPr/>
-        </p:nvPicPr>
-        <p:blipFill>
-          <a:blip r:embed="rId2" cstate="print"/>
-          <a:stretch>
-            <a:fillRect/>
-          </a:stretch>
-        </p:blipFill>
-        <p:spPr>
-          <a:xfrm>
-            <a:off x="9067800" y="381000"/>
-            <a:ext cx="1371600" cy="457200"/>
-          </a:xfrm>
-          <a:prstGeom prst="rect">
-            <a:avLst/>
-          </a:prstGeom>
-        </p:spPr>
-      </p:pic>
-      <p:sp>
-        <p:nvSpPr>
-          <p:cNvPr id="3" name="TextBox 2"/>
-          <p:cNvSpPr txBox="1"/>
-          <p:nvPr/>
-        </p:nvSpPr>
-        <p:spPr>
-          <a:xfrm>
-            <a:off x="1847528" y="188640"/>
-            <a:ext cx="8352928" cy="589072"/>
-          </a:xfrm>
-          <a:prstGeom prst="rect">
-            <a:avLst/>
-          </a:prstGeom>
-          <a:noFill/>
-        </p:spPr>
-        <p:txBody>
-          <a:bodyPr wrap="square" rtlCol="0">
-            <a:spAutoFit/>
-          </a:bodyPr>
-          <a:lstStyle/>
-          <a:p>
-            <a:pPr>
-              <a:lnSpc>
-                <a:spcPct val="150000"/>
-              </a:lnSpc>
-            </a:pPr>
-            <a:r>
-              <a:rPr lang="en-US" sz="2400" dirty="0" err="1">
-                <a:latin typeface="Candara" pitchFamily="34" charset="0"/>
-              </a:rPr>
-              <a:t>NumPy</a:t>
-            </a:r>
-            <a:r>
-              <a:rPr lang="en-US" sz="2400" dirty="0">
-                <a:latin typeface="Candara" pitchFamily="34" charset="0"/>
-              </a:rPr>
-              <a:t>: defining an array</a:t>
-            </a:r>
-          </a:p>
-        </p:txBody>
-      </p:sp>
-      <p:sp>
-        <p:nvSpPr>
-          <p:cNvPr id="8" name="TextBox 7"/>
-          <p:cNvSpPr txBox="1"/>
-          <p:nvPr/>
-        </p:nvSpPr>
-        <p:spPr>
-          <a:xfrm>
-            <a:off x="4419600" y="1143000"/>
-            <a:ext cx="5562600" cy="338554"/>
-          </a:xfrm>
-          <a:prstGeom prst="rect">
-            <a:avLst/>
-          </a:prstGeom>
-          <a:noFill/>
-        </p:spPr>
-        <p:txBody>
-          <a:bodyPr wrap="square" rtlCol="0">
-            <a:spAutoFit/>
-          </a:bodyPr>
-          <a:lstStyle/>
-          <a:p>
-            <a:r>
-              <a:rPr lang="en-US" sz="1600" dirty="0">
-                <a:latin typeface="Candara" pitchFamily="34" charset="0"/>
-              </a:rPr>
-              <a:t>a good way to initialize arrays</a:t>
-            </a:r>
-          </a:p>
-        </p:txBody>
-      </p:sp>
-      <p:sp>
-        <p:nvSpPr>
-          <p:cNvPr id="9" name="TextBox 8"/>
-          <p:cNvSpPr txBox="1"/>
-          <p:nvPr/>
-        </p:nvSpPr>
-        <p:spPr>
-          <a:xfrm>
-            <a:off x="4495800" y="1786354"/>
-            <a:ext cx="5943600" cy="1077218"/>
-          </a:xfrm>
-          <a:prstGeom prst="rect">
-            <a:avLst/>
-          </a:prstGeom>
-          <a:noFill/>
-        </p:spPr>
-        <p:txBody>
-          <a:bodyPr wrap="square" rtlCol="0">
-            <a:spAutoFit/>
-          </a:bodyPr>
-          <a:lstStyle/>
-          <a:p>
-            <a:r>
-              <a:rPr lang="en-US" sz="1600" dirty="0">
-                <a:latin typeface="Consolas" pitchFamily="49" charset="0"/>
-              </a:rPr>
-              <a:t>&gt;&gt;&gt; a = </a:t>
-            </a:r>
-            <a:r>
-              <a:rPr lang="en-US" sz="1600" dirty="0" err="1">
-                <a:latin typeface="Consolas" pitchFamily="49" charset="0"/>
-              </a:rPr>
-              <a:t>np.zeros</a:t>
-            </a:r>
-            <a:r>
-              <a:rPr lang="en-US" sz="1600" dirty="0">
-                <a:latin typeface="Consolas" pitchFamily="49" charset="0"/>
-              </a:rPr>
-              <a:t>(10)</a:t>
-            </a:r>
-          </a:p>
-          <a:p>
-            <a:endParaRPr lang="en-US" sz="1600" dirty="0">
-              <a:latin typeface="Consolas" pitchFamily="49" charset="0"/>
-            </a:endParaRPr>
-          </a:p>
-          <a:p>
-            <a:r>
-              <a:rPr lang="en-US" sz="1600" dirty="0">
-                <a:latin typeface="Consolas" pitchFamily="49" charset="0"/>
-              </a:rPr>
-              <a:t>&gt;&gt;&gt; b = </a:t>
-            </a:r>
-            <a:r>
-              <a:rPr lang="en-US" sz="1600" dirty="0" err="1">
-                <a:latin typeface="Consolas" pitchFamily="49" charset="0"/>
-              </a:rPr>
-              <a:t>np.zeros</a:t>
-            </a:r>
-            <a:r>
-              <a:rPr lang="en-US" sz="1600" dirty="0">
-                <a:latin typeface="Consolas" pitchFamily="49" charset="0"/>
-              </a:rPr>
-              <a:t>((10,2))</a:t>
-            </a:r>
-          </a:p>
-          <a:p>
-            <a:endParaRPr lang="en-US" sz="1600" dirty="0">
-              <a:latin typeface="Consolas" pitchFamily="49" charset="0"/>
-            </a:endParaRPr>
-          </a:p>
-        </p:txBody>
-      </p:sp>
-      <p:sp>
-        <p:nvSpPr>
-          <p:cNvPr id="12" name="TextBox 11"/>
-          <p:cNvSpPr txBox="1"/>
-          <p:nvPr/>
-        </p:nvSpPr>
-        <p:spPr>
-          <a:xfrm>
-            <a:off x="4419600" y="3384828"/>
-            <a:ext cx="5562600" cy="338554"/>
-          </a:xfrm>
-          <a:prstGeom prst="rect">
-            <a:avLst/>
-          </a:prstGeom>
-          <a:noFill/>
-        </p:spPr>
-        <p:txBody>
-          <a:bodyPr wrap="square" rtlCol="0">
-            <a:spAutoFit/>
-          </a:bodyPr>
-          <a:lstStyle/>
-          <a:p>
-            <a:r>
-              <a:rPr lang="en-US" sz="1600" dirty="0">
-                <a:latin typeface="Candara" pitchFamily="34" charset="0"/>
-              </a:rPr>
-              <a:t>if you really need...</a:t>
-            </a:r>
-          </a:p>
-        </p:txBody>
-      </p:sp>
-      <p:sp>
-        <p:nvSpPr>
-          <p:cNvPr id="13" name="TextBox 12"/>
-          <p:cNvSpPr txBox="1"/>
-          <p:nvPr/>
-        </p:nvSpPr>
-        <p:spPr>
-          <a:xfrm>
-            <a:off x="4495800" y="4028182"/>
-            <a:ext cx="5943600" cy="1077218"/>
-          </a:xfrm>
-          <a:prstGeom prst="rect">
-            <a:avLst/>
-          </a:prstGeom>
-          <a:noFill/>
-        </p:spPr>
-        <p:txBody>
-          <a:bodyPr wrap="square" rtlCol="0">
-            <a:spAutoFit/>
-          </a:bodyPr>
-          <a:lstStyle/>
-          <a:p>
-            <a:r>
-              <a:rPr lang="en-US" sz="1600" dirty="0">
-                <a:latin typeface="Consolas" pitchFamily="49" charset="0"/>
-              </a:rPr>
-              <a:t>&gt;&gt;&gt; a = </a:t>
-            </a:r>
-            <a:r>
-              <a:rPr lang="en-US" sz="1600" dirty="0" err="1">
-                <a:latin typeface="Consolas" pitchFamily="49" charset="0"/>
-              </a:rPr>
-              <a:t>np.ones</a:t>
-            </a:r>
-            <a:r>
-              <a:rPr lang="en-US" sz="1600" dirty="0">
-                <a:latin typeface="Consolas" pitchFamily="49" charset="0"/>
-              </a:rPr>
-              <a:t>((2,3,4), </a:t>
-            </a:r>
-            <a:r>
-              <a:rPr lang="en-US" sz="1600" dirty="0" err="1">
-                <a:latin typeface="Consolas" pitchFamily="49" charset="0"/>
-              </a:rPr>
-              <a:t>dtype</a:t>
-            </a:r>
-            <a:r>
-              <a:rPr lang="en-US" sz="1600" dirty="0">
-                <a:latin typeface="Consolas" pitchFamily="49" charset="0"/>
-              </a:rPr>
-              <a:t>=np.int16)</a:t>
-            </a:r>
-          </a:p>
-          <a:p>
-            <a:endParaRPr lang="en-US" sz="1600" dirty="0">
-              <a:latin typeface="Consolas" pitchFamily="49" charset="0"/>
-            </a:endParaRPr>
-          </a:p>
-          <a:p>
-            <a:r>
-              <a:rPr lang="en-US" sz="1600" dirty="0">
-                <a:latin typeface="Consolas" pitchFamily="49" charset="0"/>
-              </a:rPr>
-              <a:t>&gt;&gt;&gt; a</a:t>
-            </a:r>
-          </a:p>
-          <a:p>
-            <a:endParaRPr lang="en-US" sz="1600" dirty="0">
-              <a:latin typeface="Consolas" pitchFamily="49" charset="0"/>
-            </a:endParaRPr>
-          </a:p>
-        </p:txBody>
-      </p:sp>
-    </p:spTree>
-    <p:extLst>
-      <p:ext uri="{BB962C8B-B14F-4D97-AF65-F5344CB8AC3E}">
-        <p14:creationId xmlns:p14="http://schemas.microsoft.com/office/powerpoint/2010/main" val="2182106993"/>
-      </p:ext>
-    </p:extLst>
-  </p:cSld>
-  <p:clrMapOvr>
-    <a:masterClrMapping/>
-  </p:clrMapOvr>
-  <p:timing>
-    <p:tnLst>
-      <p:par>
-        <p:cTn id="1" dur="indefinite" restart="never" nodeType="tmRoot">
-          <p:childTnLst>
-            <p:seq concurrent="1" nextAc="seek">
-              <p:cTn id="2" dur="indefinite" nodeType="mainSeq">
-                <p:childTnLst>
-                  <p:par>
-                    <p:cTn id="3" fill="hold">
-                      <p:stCondLst>
-                        <p:cond delay="indefinite"/>
-                      </p:stCondLst>
-                      <p:childTnLst>
-                        <p:par>
-                          <p:cTn id="4" fill="hold">
-                            <p:stCondLst>
-                              <p:cond delay="0"/>
-                            </p:stCondLst>
-                            <p:childTnLst>
-                              <p:par>
-                                <p:cTn id="5" presetID="1" presetClass="entr" presetSubtype="0" fill="hold" grpId="0" nodeType="clickEffect">
-                                  <p:stCondLst>
-                                    <p:cond delay="0"/>
-                                  </p:stCondLst>
-                                  <p:childTnLst>
-                                    <p:set>
-                                      <p:cBhvr>
-                                        <p:cTn id="6" dur="1" fill="hold">
-                                          <p:stCondLst>
-                                            <p:cond delay="0"/>
-                                          </p:stCondLst>
-                                        </p:cTn>
-                                        <p:tgtEl>
-                                          <p:spTgt spid="12"/>
-                                        </p:tgtEl>
-                                        <p:attrNameLst>
-                                          <p:attrName>style.visibility</p:attrName>
-                                        </p:attrNameLst>
-                                      </p:cBhvr>
-                                      <p:to>
-                                        <p:strVal val="visible"/>
-                                      </p:to>
-                                    </p:set>
-                                  </p:childTnLst>
-                                </p:cTn>
-                              </p:par>
-                              <p:par>
-                                <p:cTn id="7" presetID="1" presetClass="entr" presetSubtype="0" fill="hold" grpId="0" nodeType="withEffect">
-                                  <p:stCondLst>
-                                    <p:cond delay="0"/>
-                                  </p:stCondLst>
-                                  <p:childTnLst>
-                                    <p:set>
-                                      <p:cBhvr>
-                                        <p:cTn id="8" dur="1" fill="hold">
-                                          <p:stCondLst>
-                                            <p:cond delay="0"/>
-                                          </p:stCondLst>
-                                        </p:cTn>
-                                        <p:tgtEl>
-                                          <p:spTgt spid="13"/>
-                                        </p:tgtEl>
-                                        <p:attrNameLst>
-                                          <p:attrName>style.visibility</p:attrName>
-                                        </p:attrNameLst>
-                                      </p:cBhvr>
-                                      <p:to>
-                                        <p:strVal val="visible"/>
-                                      </p:to>
-                                    </p:set>
-                                  </p:childTnLst>
-                                </p:cTn>
-                              </p:par>
-                            </p:childTnLst>
-                          </p:cTn>
-                        </p:par>
-                      </p:childTnLst>
-                    </p:cTn>
-                  </p:par>
-                </p:childTnLst>
-              </p:cTn>
-              <p:prevCondLst>
-                <p:cond evt="onPrev" delay="0">
-                  <p:tgtEl>
-                    <p:sldTgt/>
-                  </p:tgtEl>
-                </p:cond>
-              </p:prevCondLst>
-              <p:nextCondLst>
-                <p:cond evt="onNext" delay="0">
-                  <p:tgtEl>
-                    <p:sldTgt/>
-                  </p:tgtEl>
-                </p:cond>
-              </p:nextCondLst>
-            </p:seq>
-          </p:childTnLst>
-        </p:cTn>
-      </p:par>
-    </p:tnLst>
-    <p:bldLst>
-      <p:bldP spid="12" grpId="0"/>
-      <p:bldP spid="13" grpId="0"/>
-    </p:bldLst>
-  </p:timing>
-</p:sld>
-</file>
-
-<file path=ppt/slides/slide25.xml><?xml version="1.0" encoding="utf-8"?>
 <p:sld xmlns:a="http://schemas.openxmlformats.org/drawingml/2006/main" xmlns:r="http://schemas.openxmlformats.org/officeDocument/2006/relationships" xmlns:p="http://schemas.openxmlformats.org/presentationml/2006/main">
   <p:cSld>
     <p:spTree>
@@ -7407,7 +5528,7 @@
 </p:sld>
 </file>
 
-<file path=ppt/slides/slide26.xml><?xml version="1.0" encoding="utf-8"?>
+<file path=ppt/slides/slide22.xml><?xml version="1.0" encoding="utf-8"?>
 <p:sld xmlns:a="http://schemas.openxmlformats.org/drawingml/2006/main" xmlns:r="http://schemas.openxmlformats.org/officeDocument/2006/relationships" xmlns:p="http://schemas.openxmlformats.org/presentationml/2006/main">
   <p:cSld>
     <p:spTree>
@@ -8018,7 +6139,7 @@
 </p:sld>
 </file>
 
-<file path=ppt/slides/slide27.xml><?xml version="1.0" encoding="utf-8"?>
+<file path=ppt/slides/slide23.xml><?xml version="1.0" encoding="utf-8"?>
 <p:sld xmlns:a="http://schemas.openxmlformats.org/drawingml/2006/main" xmlns:r="http://schemas.openxmlformats.org/officeDocument/2006/relationships" xmlns:p="http://schemas.openxmlformats.org/presentationml/2006/main">
   <p:cSld>
     <p:spTree>
@@ -8726,7 +6847,7 @@
 </p:sld>
 </file>
 
-<file path=ppt/slides/slide28.xml><?xml version="1.0" encoding="utf-8"?>
+<file path=ppt/slides/slide24.xml><?xml version="1.0" encoding="utf-8"?>
 <p:sld xmlns:a="http://schemas.openxmlformats.org/drawingml/2006/main" xmlns:r="http://schemas.openxmlformats.org/officeDocument/2006/relationships" xmlns:p="http://schemas.openxmlformats.org/presentationml/2006/main">
   <p:cSld>
     <p:spTree>
@@ -9569,7 +7690,7 @@
 </p:sld>
 </file>
 
-<file path=ppt/slides/slide29.xml><?xml version="1.0" encoding="utf-8"?>
+<file path=ppt/slides/slide25.xml><?xml version="1.0" encoding="utf-8"?>
 <p:sld xmlns:a="http://schemas.openxmlformats.org/drawingml/2006/main" xmlns:r="http://schemas.openxmlformats.org/officeDocument/2006/relationships" xmlns:p="http://schemas.openxmlformats.org/presentationml/2006/main">
   <p:cSld>
     <p:spTree>
@@ -9751,162 +7872,7 @@
 </p:sld>
 </file>
 
-<file path=ppt/slides/slide3.xml><?xml version="1.0" encoding="utf-8"?>
-<p:sld xmlns:a="http://schemas.openxmlformats.org/drawingml/2006/main" xmlns:r="http://schemas.openxmlformats.org/officeDocument/2006/relationships" xmlns:p="http://schemas.openxmlformats.org/presentationml/2006/main">
-  <p:cSld>
-    <p:spTree>
-      <p:nvGrpSpPr>
-        <p:cNvPr id="1" name=""/>
-        <p:cNvGrpSpPr/>
-        <p:nvPr/>
-      </p:nvGrpSpPr>
-      <p:grpSpPr>
-        <a:xfrm>
-          <a:off x="0" y="0"/>
-          <a:ext cx="0" cy="0"/>
-          <a:chOff x="0" y="0"/>
-          <a:chExt cx="0" cy="0"/>
-        </a:xfrm>
-      </p:grpSpPr>
-      <p:sp>
-        <p:nvSpPr>
-          <p:cNvPr id="2" name="Title 1">
-            <a:extLst>
-              <a:ext uri="{FF2B5EF4-FFF2-40B4-BE49-F238E27FC236}">
-                <a16:creationId xmlns:a16="http://schemas.microsoft.com/office/drawing/2014/main" id="{CFA208C7-2C1C-4B5D-AD47-0D8A49456356}"/>
-              </a:ext>
-            </a:extLst>
-          </p:cNvPr>
-          <p:cNvSpPr>
-            <a:spLocks noGrp="1"/>
-          </p:cNvSpPr>
-          <p:nvPr>
-            <p:ph type="title"/>
-          </p:nvPr>
-        </p:nvSpPr>
-        <p:spPr/>
-        <p:txBody>
-          <a:bodyPr/>
-          <a:lstStyle/>
-          <a:p>
-            <a:r>
-              <a:rPr lang="en-US" dirty="0">
-                <a:solidFill>
-                  <a:srgbClr val="244061"/>
-                </a:solidFill>
-                <a:latin typeface="Book Antiqua"/>
-                <a:ea typeface="Book Antiqua"/>
-                <a:cs typeface="Book Antiqua"/>
-                <a:sym typeface="Book Antiqua"/>
-              </a:rPr>
-              <a:t>NumPy</a:t>
-            </a:r>
-            <a:endParaRPr lang="en-US" dirty="0"/>
-          </a:p>
-        </p:txBody>
-      </p:sp>
-      <p:sp>
-        <p:nvSpPr>
-          <p:cNvPr id="3" name="Text Placeholder 2">
-            <a:extLst>
-              <a:ext uri="{FF2B5EF4-FFF2-40B4-BE49-F238E27FC236}">
-                <a16:creationId xmlns:a16="http://schemas.microsoft.com/office/drawing/2014/main" id="{E211886A-1C6A-4DDD-AC86-60C416F065BE}"/>
-              </a:ext>
-            </a:extLst>
-          </p:cNvPr>
-          <p:cNvSpPr>
-            <a:spLocks noGrp="1"/>
-          </p:cNvSpPr>
-          <p:nvPr>
-            <p:ph type="body" idx="1"/>
-          </p:nvPr>
-        </p:nvSpPr>
-        <p:spPr/>
-        <p:txBody>
-          <a:bodyPr/>
-          <a:lstStyle/>
-          <a:p>
-            <a:r>
-              <a:rPr lang="en-US" dirty="0"/>
-              <a:t>At first glance, a NumPy array resembles a List (or in the case of multi-dimensional arrays, a List of Lists...)</a:t>
-            </a:r>
-          </a:p>
-        </p:txBody>
-      </p:sp>
-      <p:sp>
-        <p:nvSpPr>
-          <p:cNvPr id="4" name="Slide Number Placeholder 3">
-            <a:extLst>
-              <a:ext uri="{FF2B5EF4-FFF2-40B4-BE49-F238E27FC236}">
-                <a16:creationId xmlns:a16="http://schemas.microsoft.com/office/drawing/2014/main" id="{EFEC61F9-F31C-487B-9A48-A6BF19C346B4}"/>
-              </a:ext>
-            </a:extLst>
-          </p:cNvPr>
-          <p:cNvSpPr>
-            <a:spLocks noGrp="1"/>
-          </p:cNvSpPr>
-          <p:nvPr>
-            <p:ph type="sldNum" idx="12"/>
-          </p:nvPr>
-        </p:nvSpPr>
-        <p:spPr/>
-        <p:txBody>
-          <a:bodyPr/>
-          <a:lstStyle/>
-          <a:p>
-            <a:fld id="{00000000-1234-1234-1234-123412341234}" type="slidenum">
-              <a:rPr lang="en-US" smtClean="0"/>
-              <a:pPr/>
-              <a:t>3</a:t>
-            </a:fld>
-            <a:endParaRPr lang="en-US"/>
-          </a:p>
-        </p:txBody>
-      </p:sp>
-      <p:pic>
-        <p:nvPicPr>
-          <p:cNvPr id="6" name="Picture 5">
-            <a:extLst>
-              <a:ext uri="{FF2B5EF4-FFF2-40B4-BE49-F238E27FC236}">
-                <a16:creationId xmlns:a16="http://schemas.microsoft.com/office/drawing/2014/main" id="{63432E32-B894-40B6-B98F-577B7B22C195}"/>
-              </a:ext>
-            </a:extLst>
-          </p:cNvPr>
-          <p:cNvPicPr>
-            <a:picLocks noChangeAspect="1"/>
-          </p:cNvPicPr>
-          <p:nvPr/>
-        </p:nvPicPr>
-        <p:blipFill>
-          <a:blip r:embed="rId2"/>
-          <a:stretch>
-            <a:fillRect/>
-          </a:stretch>
-        </p:blipFill>
-        <p:spPr>
-          <a:xfrm>
-            <a:off x="1712875" y="2850566"/>
-            <a:ext cx="7024725" cy="3870909"/>
-          </a:xfrm>
-          <a:prstGeom prst="rect">
-            <a:avLst/>
-          </a:prstGeom>
-        </p:spPr>
-      </p:pic>
-    </p:spTree>
-    <p:extLst>
-      <p:ext uri="{BB962C8B-B14F-4D97-AF65-F5344CB8AC3E}">
-        <p14:creationId xmlns:p14="http://schemas.microsoft.com/office/powerpoint/2010/main" val="851308386"/>
-      </p:ext>
-    </p:extLst>
-  </p:cSld>
-  <p:clrMapOvr>
-    <a:masterClrMapping/>
-  </p:clrMapOvr>
-</p:sld>
-</file>
-
-<file path=ppt/slides/slide30.xml><?xml version="1.0" encoding="utf-8"?>
+<file path=ppt/slides/slide26.xml><?xml version="1.0" encoding="utf-8"?>
 <p:sld xmlns:a="http://schemas.openxmlformats.org/drawingml/2006/main" xmlns:r="http://schemas.openxmlformats.org/officeDocument/2006/relationships" xmlns:p="http://schemas.openxmlformats.org/presentationml/2006/main">
   <p:cSld>
     <p:spTree>
@@ -10760,7 +8726,7 @@
 </p:sld>
 </file>
 
-<file path=ppt/slides/slide31.xml><?xml version="1.0" encoding="utf-8"?>
+<file path=ppt/slides/slide27.xml><?xml version="1.0" encoding="utf-8"?>
 <p:sld xmlns:a="http://schemas.openxmlformats.org/drawingml/2006/main" xmlns:r="http://schemas.openxmlformats.org/officeDocument/2006/relationships" xmlns:p="http://schemas.openxmlformats.org/presentationml/2006/main">
   <p:cSld>
     <p:spTree>
@@ -11043,7 +9009,7 @@
 </p:sld>
 </file>
 
-<file path=ppt/slides/slide32.xml><?xml version="1.0" encoding="utf-8"?>
+<file path=ppt/slides/slide28.xml><?xml version="1.0" encoding="utf-8"?>
 <p:sld xmlns:a="http://schemas.openxmlformats.org/drawingml/2006/main" xmlns:r="http://schemas.openxmlformats.org/officeDocument/2006/relationships" xmlns:p="http://schemas.openxmlformats.org/presentationml/2006/main">
   <p:cSld>
     <p:spTree>
@@ -11326,7 +9292,7 @@
 </p:sld>
 </file>
 
-<file path=ppt/slides/slide33.xml><?xml version="1.0" encoding="utf-8"?>
+<file path=ppt/slides/slide29.xml><?xml version="1.0" encoding="utf-8"?>
 <p:sld xmlns:a="http://schemas.openxmlformats.org/drawingml/2006/main" xmlns:r="http://schemas.openxmlformats.org/officeDocument/2006/relationships" xmlns:p="http://schemas.openxmlformats.org/presentationml/2006/main">
   <p:cSld>
     <p:spTree>
@@ -11400,7 +9366,7 @@
             <a:fld id="{00000000-1234-1234-1234-123412341234}" type="slidenum">
               <a:rPr lang="en-US" smtClean="0"/>
               <a:pPr/>
-              <a:t>33</a:t>
+              <a:t>29</a:t>
             </a:fld>
             <a:endParaRPr lang="en-US"/>
           </a:p>
@@ -11410,6 +9376,161 @@
     <p:extLst>
       <p:ext uri="{BB962C8B-B14F-4D97-AF65-F5344CB8AC3E}">
         <p14:creationId xmlns:p14="http://schemas.microsoft.com/office/powerpoint/2010/main" val="1243996472"/>
+      </p:ext>
+    </p:extLst>
+  </p:cSld>
+  <p:clrMapOvr>
+    <a:masterClrMapping/>
+  </p:clrMapOvr>
+</p:sld>
+</file>
+
+<file path=ppt/slides/slide3.xml><?xml version="1.0" encoding="utf-8"?>
+<p:sld xmlns:a="http://schemas.openxmlformats.org/drawingml/2006/main" xmlns:r="http://schemas.openxmlformats.org/officeDocument/2006/relationships" xmlns:p="http://schemas.openxmlformats.org/presentationml/2006/main">
+  <p:cSld>
+    <p:spTree>
+      <p:nvGrpSpPr>
+        <p:cNvPr id="1" name=""/>
+        <p:cNvGrpSpPr/>
+        <p:nvPr/>
+      </p:nvGrpSpPr>
+      <p:grpSpPr>
+        <a:xfrm>
+          <a:off x="0" y="0"/>
+          <a:ext cx="0" cy="0"/>
+          <a:chOff x="0" y="0"/>
+          <a:chExt cx="0" cy="0"/>
+        </a:xfrm>
+      </p:grpSpPr>
+      <p:sp>
+        <p:nvSpPr>
+          <p:cNvPr id="2" name="Title 1">
+            <a:extLst>
+              <a:ext uri="{FF2B5EF4-FFF2-40B4-BE49-F238E27FC236}">
+                <a16:creationId xmlns:a16="http://schemas.microsoft.com/office/drawing/2014/main" id="{CFA208C7-2C1C-4B5D-AD47-0D8A49456356}"/>
+              </a:ext>
+            </a:extLst>
+          </p:cNvPr>
+          <p:cNvSpPr>
+            <a:spLocks noGrp="1"/>
+          </p:cNvSpPr>
+          <p:nvPr>
+            <p:ph type="title"/>
+          </p:nvPr>
+        </p:nvSpPr>
+        <p:spPr/>
+        <p:txBody>
+          <a:bodyPr/>
+          <a:lstStyle/>
+          <a:p>
+            <a:r>
+              <a:rPr lang="en-US" dirty="0">
+                <a:solidFill>
+                  <a:srgbClr val="244061"/>
+                </a:solidFill>
+                <a:latin typeface="Book Antiqua"/>
+                <a:ea typeface="Book Antiqua"/>
+                <a:cs typeface="Book Antiqua"/>
+                <a:sym typeface="Book Antiqua"/>
+              </a:rPr>
+              <a:t>NumPy</a:t>
+            </a:r>
+            <a:endParaRPr lang="en-US" dirty="0"/>
+          </a:p>
+        </p:txBody>
+      </p:sp>
+      <p:sp>
+        <p:nvSpPr>
+          <p:cNvPr id="3" name="Text Placeholder 2">
+            <a:extLst>
+              <a:ext uri="{FF2B5EF4-FFF2-40B4-BE49-F238E27FC236}">
+                <a16:creationId xmlns:a16="http://schemas.microsoft.com/office/drawing/2014/main" id="{E211886A-1C6A-4DDD-AC86-60C416F065BE}"/>
+              </a:ext>
+            </a:extLst>
+          </p:cNvPr>
+          <p:cNvSpPr>
+            <a:spLocks noGrp="1"/>
+          </p:cNvSpPr>
+          <p:nvPr>
+            <p:ph type="body" idx="1"/>
+          </p:nvPr>
+        </p:nvSpPr>
+        <p:spPr/>
+        <p:txBody>
+          <a:bodyPr/>
+          <a:lstStyle/>
+          <a:p>
+            <a:r>
+              <a:rPr lang="en-US" dirty="0"/>
+              <a:t>At first glance, a NumPy array resembles a List (or in the case of multi-dimensional arrays, a List of Lists...)</a:t>
+            </a:r>
+          </a:p>
+        </p:txBody>
+      </p:sp>
+      <p:sp>
+        <p:nvSpPr>
+          <p:cNvPr id="4" name="Slide Number Placeholder 3">
+            <a:extLst>
+              <a:ext uri="{FF2B5EF4-FFF2-40B4-BE49-F238E27FC236}">
+                <a16:creationId xmlns:a16="http://schemas.microsoft.com/office/drawing/2014/main" id="{EFEC61F9-F31C-487B-9A48-A6BF19C346B4}"/>
+              </a:ext>
+            </a:extLst>
+          </p:cNvPr>
+          <p:cNvSpPr>
+            <a:spLocks noGrp="1"/>
+          </p:cNvSpPr>
+          <p:nvPr>
+            <p:ph type="sldNum" idx="12"/>
+          </p:nvPr>
+        </p:nvSpPr>
+        <p:spPr/>
+        <p:txBody>
+          <a:bodyPr/>
+          <a:lstStyle/>
+          <a:p>
+            <a:fld id="{00000000-1234-1234-1234-123412341234}" type="slidenum">
+              <a:rPr lang="en-US" smtClean="0"/>
+              <a:pPr/>
+              <a:t>3</a:t>
+            </a:fld>
+            <a:endParaRPr lang="en-US"/>
+          </a:p>
+        </p:txBody>
+      </p:sp>
+      <p:pic>
+        <p:nvPicPr>
+          <p:cNvPr id="6" name="Picture 5">
+            <a:extLst>
+              <a:ext uri="{FF2B5EF4-FFF2-40B4-BE49-F238E27FC236}">
+                <a16:creationId xmlns:a16="http://schemas.microsoft.com/office/drawing/2014/main" id="{63432E32-B894-40B6-B98F-577B7B22C195}"/>
+              </a:ext>
+            </a:extLst>
+          </p:cNvPr>
+          <p:cNvPicPr>
+            <a:picLocks noChangeAspect="1"/>
+          </p:cNvPicPr>
+          <p:nvPr/>
+        </p:nvPicPr>
+        <p:blipFill>
+          <a:blip r:embed="rId2"/>
+          <a:stretch>
+            <a:fillRect/>
+          </a:stretch>
+        </p:blipFill>
+        <p:spPr>
+          <a:xfrm>
+            <a:off x="1712875" y="2850566"/>
+            <a:ext cx="7024725" cy="3870909"/>
+          </a:xfrm>
+          <a:prstGeom prst="rect">
+            <a:avLst/>
+          </a:prstGeom>
+        </p:spPr>
+      </p:pic>
+    </p:spTree>
+    <p:extLst>
+      <p:ext uri="{BB962C8B-B14F-4D97-AF65-F5344CB8AC3E}">
+        <p14:creationId xmlns:p14="http://schemas.microsoft.com/office/powerpoint/2010/main" val="851308386"/>
       </p:ext>
     </p:extLst>
   </p:cSld>
